--- a/doc/unfinished/Presentation/5_fgoプレゼン資料.pptx
+++ b/doc/unfinished/Presentation/5_fgoプレゼン資料.pptx
@@ -5,7 +5,7 @@
     <p:sldMasterId id="2147483720" r:id="rId1"/>
   </p:sldMasterIdLst>
   <p:notesMasterIdLst>
-    <p:notesMasterId r:id="rId22"/>
+    <p:notesMasterId r:id="rId24"/>
   </p:notesMasterIdLst>
   <p:sldIdLst>
     <p:sldId id="256" r:id="rId2"/>
@@ -24,10 +24,12 @@
     <p:sldId id="269" r:id="rId15"/>
     <p:sldId id="261" r:id="rId16"/>
     <p:sldId id="264" r:id="rId17"/>
-    <p:sldId id="277" r:id="rId18"/>
-    <p:sldId id="265" r:id="rId19"/>
-    <p:sldId id="271" r:id="rId20"/>
-    <p:sldId id="278" r:id="rId21"/>
+    <p:sldId id="287" r:id="rId18"/>
+    <p:sldId id="277" r:id="rId19"/>
+    <p:sldId id="265" r:id="rId20"/>
+    <p:sldId id="271" r:id="rId21"/>
+    <p:sldId id="289" r:id="rId22"/>
+    <p:sldId id="290" r:id="rId23"/>
   </p:sldIdLst>
   <p:sldSz cx="9144000" cy="6858000" type="screen4x3"/>
   <p:notesSz cx="6858000" cy="9144000"/>
@@ -1025,7 +1027,7 @@
         <a:lstStyle/>
         <a:p>
           <a:r>
-            <a:rPr kumimoji="1" lang="ja-JP" altLang="en-US"/>
+            <a:rPr kumimoji="1" lang="ja-JP" altLang="en-US" dirty="0"/>
             <a:t>駒木 康宏</a:t>
           </a:r>
         </a:p>
@@ -1064,7 +1066,7 @@
         <a:lstStyle/>
         <a:p>
           <a:r>
-            <a:rPr kumimoji="1" lang="ja-JP" altLang="en-US"/>
+            <a:rPr kumimoji="1" lang="ja-JP" altLang="en-US" dirty="0"/>
             <a:t>越 貴章</a:t>
           </a:r>
         </a:p>
@@ -1078,18 +1080,18 @@
         <a:lstStyle/>
         <a:p>
           <a:r>
-            <a:rPr kumimoji="1" lang="ja-JP" altLang="en-US" sz="2000"/>
+            <a:rPr kumimoji="1" lang="ja-JP" altLang="en-US" sz="2000" dirty="0"/>
             <a:t>テクニカル</a:t>
           </a:r>
           <a:r>
-            <a:rPr kumimoji="1" lang="en-US" altLang="ja-JP" sz="2000"/>
+            <a:rPr kumimoji="1" lang="en-US" altLang="ja-JP" sz="2000" dirty="0"/>
             <a:t/>
           </a:r>
           <a:br>
-            <a:rPr kumimoji="1" lang="en-US" altLang="ja-JP" sz="2000"/>
+            <a:rPr kumimoji="1" lang="en-US" altLang="ja-JP" sz="2000" dirty="0"/>
           </a:br>
           <a:r>
-            <a:rPr kumimoji="1" lang="ja-JP" altLang="en-US" sz="2000"/>
+            <a:rPr kumimoji="1" lang="ja-JP" altLang="en-US" sz="2000" dirty="0"/>
             <a:t>リーダー</a:t>
           </a:r>
         </a:p>
@@ -1114,7 +1116,7 @@
         <a:lstStyle/>
         <a:p>
           <a:r>
-            <a:rPr kumimoji="1" lang="ja-JP" altLang="en-US"/>
+            <a:rPr kumimoji="1" lang="ja-JP" altLang="en-US" dirty="0"/>
             <a:t>ムン アヒョン</a:t>
           </a:r>
         </a:p>
@@ -1128,18 +1130,18 @@
         <a:lstStyle/>
         <a:p>
           <a:r>
-            <a:rPr kumimoji="1" lang="ja-JP" altLang="en-US" sz="2000"/>
+            <a:rPr kumimoji="1" lang="ja-JP" altLang="en-US" sz="2000" dirty="0"/>
             <a:t>ライブラリ</a:t>
           </a:r>
           <a:r>
-            <a:rPr kumimoji="1" lang="en-US" altLang="ja-JP" sz="2000"/>
+            <a:rPr kumimoji="1" lang="en-US" altLang="ja-JP" sz="2000" dirty="0"/>
             <a:t/>
           </a:r>
           <a:br>
-            <a:rPr kumimoji="1" lang="en-US" altLang="ja-JP" sz="2000"/>
+            <a:rPr kumimoji="1" lang="en-US" altLang="ja-JP" sz="2000" dirty="0"/>
           </a:br>
           <a:r>
-            <a:rPr kumimoji="1" lang="ja-JP" altLang="en-US" sz="2000"/>
+            <a:rPr kumimoji="1" lang="ja-JP" altLang="en-US" sz="2000" dirty="0"/>
             <a:t>リーダー</a:t>
           </a:r>
         </a:p>
@@ -1164,7 +1166,7 @@
         <a:lstStyle/>
         <a:p>
           <a:r>
-            <a:rPr kumimoji="1" lang="ja-JP" altLang="en-US"/>
+            <a:rPr kumimoji="1" lang="ja-JP" altLang="en-US" dirty="0"/>
             <a:t>鳥海 大海</a:t>
           </a:r>
         </a:p>
@@ -1178,7 +1180,7 @@
         <a:lstStyle/>
         <a:p>
           <a:r>
-            <a:rPr kumimoji="1" lang="ja-JP" altLang="en-US" sz="2000"/>
+            <a:rPr kumimoji="1" lang="ja-JP" altLang="en-US" sz="2000" dirty="0"/>
             <a:t>品質管理</a:t>
           </a:r>
         </a:p>
@@ -1203,7 +1205,7 @@
         <a:lstStyle/>
         <a:p>
           <a:r>
-            <a:rPr kumimoji="1" lang="ja-JP" altLang="en-US"/>
+            <a:rPr kumimoji="1" lang="ja-JP" altLang="en-US" dirty="0"/>
             <a:t>香川 遼太</a:t>
           </a:r>
         </a:p>
@@ -1851,10 +1853,10 @@
     <dgm:cxn modelId="{3E78174C-20EF-4628-9E56-3DCEB98E778E}" type="presOf" srcId="{0FC7C952-0B94-4665-A9F3-8AE3C567FDA6}" destId="{6E780426-7388-48CA-A2B7-99464D1BD285}" srcOrd="0" destOrd="0" presId="urn:microsoft.com/office/officeart/2008/layout/NameandTitleOrganizationalChart"/>
     <dgm:cxn modelId="{04201AE8-5D38-4443-ACF5-ABCC4495E3B0}" type="presOf" srcId="{70058033-2E0C-4A99-A445-C78A34C4D23A}" destId="{6CF36DCA-D614-47E8-9145-ADFB737DA66F}" srcOrd="1" destOrd="0" presId="urn:microsoft.com/office/officeart/2008/layout/NameandTitleOrganizationalChart"/>
     <dgm:cxn modelId="{40F222F9-08D4-4FB5-BD6D-09EF87482995}" type="presOf" srcId="{B4BF54C7-FC88-4908-A2C5-559CF4E6426C}" destId="{BF1EA690-780A-44C3-9D1D-1D757C3BA9AF}" srcOrd="0" destOrd="0" presId="urn:microsoft.com/office/officeart/2008/layout/NameandTitleOrganizationalChart"/>
-    <dgm:cxn modelId="{2D67666E-721A-40F5-B53F-929186D1F1F8}" type="presOf" srcId="{E2FDA2D0-ABF6-427C-A9EB-0A76B7D559F5}" destId="{1785C501-1EC8-4649-A052-E2CD4BA94323}" srcOrd="0" destOrd="0" presId="urn:microsoft.com/office/officeart/2008/layout/NameandTitleOrganizationalChart"/>
     <dgm:cxn modelId="{D88000AB-DDBA-4B64-A859-206236F6A0B8}" type="presOf" srcId="{6AE5AC3A-D5F3-40A3-B2B6-B2BC4B05AC62}" destId="{31DE2AFF-39D1-4A7A-AF0A-5DAC596CCF68}" srcOrd="0" destOrd="0" presId="urn:microsoft.com/office/officeart/2008/layout/NameandTitleOrganizationalChart"/>
     <dgm:cxn modelId="{864BE5EA-96DE-43FC-A20B-143ED1330A15}" type="presOf" srcId="{E2FDA2D0-ABF6-427C-A9EB-0A76B7D559F5}" destId="{6DB85DD1-0D2F-4939-9814-C13391EA2948}" srcOrd="1" destOrd="0" presId="urn:microsoft.com/office/officeart/2008/layout/NameandTitleOrganizationalChart"/>
     <dgm:cxn modelId="{F62FBCC4-458E-46A4-9FF4-76B63A5958DE}" type="presOf" srcId="{810ACD85-898A-4598-8EE3-E6A5D4E9C4AA}" destId="{AE333CCA-9B6A-42D1-895E-DE6FBFD2DB96}" srcOrd="0" destOrd="0" presId="urn:microsoft.com/office/officeart/2008/layout/NameandTitleOrganizationalChart"/>
+    <dgm:cxn modelId="{2D67666E-721A-40F5-B53F-929186D1F1F8}" type="presOf" srcId="{E2FDA2D0-ABF6-427C-A9EB-0A76B7D559F5}" destId="{1785C501-1EC8-4649-A052-E2CD4BA94323}" srcOrd="0" destOrd="0" presId="urn:microsoft.com/office/officeart/2008/layout/NameandTitleOrganizationalChart"/>
     <dgm:cxn modelId="{1E87B546-0262-40B3-80A6-965CA3D36515}" type="presOf" srcId="{70058033-2E0C-4A99-A445-C78A34C4D23A}" destId="{185CB762-7F7F-4E52-9C3A-4B5E7244C072}" srcOrd="0" destOrd="0" presId="urn:microsoft.com/office/officeart/2008/layout/NameandTitleOrganizationalChart"/>
     <dgm:cxn modelId="{596381FB-B9DB-41ED-A41B-5E411BB8726C}" type="presOf" srcId="{37777D4E-7062-40E3-BFF0-FEEAE2E104B4}" destId="{8508A163-ABFD-4730-893E-600790472B4F}" srcOrd="0" destOrd="0" presId="urn:microsoft.com/office/officeart/2008/layout/NameandTitleOrganizationalChart"/>
     <dgm:cxn modelId="{90A69096-DDAC-45ED-9887-C1D41486165F}" type="presOf" srcId="{09018E6E-6FDF-4293-BAAF-59CAA8ABF8BC}" destId="{BD452632-A25A-46FE-8690-ED19D933D1C4}" srcOrd="0" destOrd="0" presId="urn:microsoft.com/office/officeart/2008/layout/NameandTitleOrganizationalChart"/>
@@ -2527,7 +2529,7 @@
             </a:spcAft>
           </a:pPr>
           <a:r>
-            <a:rPr kumimoji="1" lang="ja-JP" altLang="en-US" sz="1600" kern="1200"/>
+            <a:rPr kumimoji="1" lang="ja-JP" altLang="en-US" sz="1600" kern="1200" dirty="0"/>
             <a:t>越 貴章</a:t>
           </a:r>
         </a:p>
@@ -2604,18 +2606,18 @@
             </a:spcAft>
           </a:pPr>
           <a:r>
-            <a:rPr kumimoji="1" lang="ja-JP" altLang="en-US" sz="2000" kern="1200"/>
+            <a:rPr kumimoji="1" lang="ja-JP" altLang="en-US" sz="2000" kern="1200" dirty="0"/>
             <a:t>テクニカル</a:t>
           </a:r>
           <a:r>
-            <a:rPr kumimoji="1" lang="en-US" altLang="ja-JP" sz="2000" kern="1200"/>
+            <a:rPr kumimoji="1" lang="en-US" altLang="ja-JP" sz="2000" kern="1200" dirty="0"/>
             <a:t/>
           </a:r>
           <a:br>
-            <a:rPr kumimoji="1" lang="en-US" altLang="ja-JP" sz="2000" kern="1200"/>
+            <a:rPr kumimoji="1" lang="en-US" altLang="ja-JP" sz="2000" kern="1200" dirty="0"/>
           </a:br>
           <a:r>
-            <a:rPr kumimoji="1" lang="ja-JP" altLang="en-US" sz="2000" kern="1200"/>
+            <a:rPr kumimoji="1" lang="ja-JP" altLang="en-US" sz="2000" kern="1200" dirty="0"/>
             <a:t>リーダー</a:t>
           </a:r>
         </a:p>
@@ -2691,7 +2693,7 @@
             </a:spcAft>
           </a:pPr>
           <a:r>
-            <a:rPr kumimoji="1" lang="ja-JP" altLang="en-US" sz="1600" kern="1200"/>
+            <a:rPr kumimoji="1" lang="ja-JP" altLang="en-US" sz="1600" kern="1200" dirty="0"/>
             <a:t>ムン アヒョン</a:t>
           </a:r>
         </a:p>
@@ -2768,7 +2770,7 @@
             </a:spcAft>
           </a:pPr>
           <a:r>
-            <a:rPr kumimoji="1" lang="ja-JP" altLang="en-US" sz="2000" kern="1200"/>
+            <a:rPr kumimoji="1" lang="ja-JP" altLang="en-US" sz="2000" kern="1200" dirty="0"/>
             <a:t>品質管理</a:t>
           </a:r>
         </a:p>
@@ -2844,7 +2846,7 @@
             </a:spcAft>
           </a:pPr>
           <a:r>
-            <a:rPr kumimoji="1" lang="ja-JP" altLang="en-US" sz="1600" kern="1200"/>
+            <a:rPr kumimoji="1" lang="ja-JP" altLang="en-US" sz="1600" kern="1200" dirty="0"/>
             <a:t>香川 遼太</a:t>
           </a:r>
         </a:p>
@@ -2921,18 +2923,18 @@
             </a:spcAft>
           </a:pPr>
           <a:r>
-            <a:rPr kumimoji="1" lang="ja-JP" altLang="en-US" sz="2000" kern="1200"/>
+            <a:rPr kumimoji="1" lang="ja-JP" altLang="en-US" sz="2000" kern="1200" dirty="0"/>
             <a:t>ライブラリ</a:t>
           </a:r>
           <a:r>
-            <a:rPr kumimoji="1" lang="en-US" altLang="ja-JP" sz="2000" kern="1200"/>
+            <a:rPr kumimoji="1" lang="en-US" altLang="ja-JP" sz="2000" kern="1200" dirty="0"/>
             <a:t/>
           </a:r>
           <a:br>
-            <a:rPr kumimoji="1" lang="en-US" altLang="ja-JP" sz="2000" kern="1200"/>
+            <a:rPr kumimoji="1" lang="en-US" altLang="ja-JP" sz="2000" kern="1200" dirty="0"/>
           </a:br>
           <a:r>
-            <a:rPr kumimoji="1" lang="ja-JP" altLang="en-US" sz="2000" kern="1200"/>
+            <a:rPr kumimoji="1" lang="ja-JP" altLang="en-US" sz="2000" kern="1200" dirty="0"/>
             <a:t>リーダー</a:t>
           </a:r>
         </a:p>
@@ -3008,7 +3010,7 @@
             </a:spcAft>
           </a:pPr>
           <a:r>
-            <a:rPr kumimoji="1" lang="ja-JP" altLang="en-US" sz="1600" kern="1200"/>
+            <a:rPr kumimoji="1" lang="ja-JP" altLang="en-US" sz="1600" kern="1200" dirty="0"/>
             <a:t>鳥海 大海</a:t>
           </a:r>
         </a:p>
@@ -3162,7 +3164,7 @@
             </a:spcAft>
           </a:pPr>
           <a:r>
-            <a:rPr kumimoji="1" lang="ja-JP" altLang="en-US" sz="1600" kern="1200"/>
+            <a:rPr kumimoji="1" lang="ja-JP" altLang="en-US" sz="1600" kern="1200" dirty="0"/>
             <a:t>駒木 康宏</a:t>
           </a:r>
         </a:p>
@@ -5922,7 +5924,7 @@
           <a:p>
             <a:fld id="{14A987AB-81A9-4606-8B21-8C126C6E3A1D}" type="slidenum">
               <a:rPr kumimoji="1" lang="ja-JP" altLang="en-US" smtClean="0"/>
-              <a:t>19</a:t>
+              <a:t>20</a:t>
             </a:fld>
             <a:endParaRPr kumimoji="1" lang="ja-JP" altLang="en-US"/>
           </a:p>
@@ -9323,16 +9325,228 @@
             <p:ph type="subTitle" idx="1"/>
           </p:nvPr>
         </p:nvSpPr>
-        <p:spPr/>
+        <p:spPr>
+          <a:xfrm>
+            <a:off x="685800" y="4581128"/>
+            <a:ext cx="7558608" cy="2016224"/>
+          </a:xfrm>
+        </p:spPr>
         <p:txBody>
-          <a:bodyPr/>
+          <a:bodyPr numCol="2">
+            <a:normAutofit/>
+          </a:bodyPr>
           <a:lstStyle/>
           <a:p>
-            <a:r>
-              <a:rPr lang="en-US" altLang="ja-JP" dirty="0" smtClean="0"/>
+            <a:pPr>
+              <a:lnSpc>
+                <a:spcPct val="120000"/>
+              </a:lnSpc>
+            </a:pPr>
+            <a:r>
+              <a:rPr lang="en-US" altLang="ja-JP" sz="1600" dirty="0" smtClean="0">
+                <a:solidFill>
+                  <a:schemeClr val="tx2"/>
+                </a:solidFill>
+              </a:rPr>
               <a:t>5_FGO</a:t>
             </a:r>
-            <a:endParaRPr kumimoji="1" lang="ja-JP" altLang="en-US" dirty="0"/>
+          </a:p>
+          <a:p>
+            <a:pPr>
+              <a:lnSpc>
+                <a:spcPct val="120000"/>
+              </a:lnSpc>
+            </a:pPr>
+            <a:r>
+              <a:rPr lang="ja-JP" altLang="en-US" sz="1600" dirty="0" smtClean="0">
+                <a:solidFill>
+                  <a:schemeClr val="tx2"/>
+                </a:solidFill>
+              </a:rPr>
+              <a:t>駒木 康宏</a:t>
+            </a:r>
+            <a:r>
+              <a:rPr lang="en-US" altLang="ja-JP" sz="1600" dirty="0" smtClean="0">
+                <a:solidFill>
+                  <a:schemeClr val="tx2"/>
+                </a:solidFill>
+              </a:rPr>
+              <a:t>	     </a:t>
+            </a:r>
+            <a:r>
+              <a:rPr lang="ja-JP" altLang="en-US" sz="1600" dirty="0" smtClean="0">
+                <a:solidFill>
+                  <a:schemeClr val="tx2"/>
+                </a:solidFill>
+              </a:rPr>
+              <a:t>（プロジェクトリーダー）　</a:t>
+            </a:r>
+            <a:endParaRPr lang="ja-JP" altLang="en-US" sz="1600" dirty="0">
+              <a:solidFill>
+                <a:schemeClr val="tx2"/>
+              </a:solidFill>
+            </a:endParaRPr>
+          </a:p>
+          <a:p>
+            <a:pPr>
+              <a:lnSpc>
+                <a:spcPct val="120000"/>
+              </a:lnSpc>
+            </a:pPr>
+            <a:r>
+              <a:rPr lang="ja-JP" altLang="en-US" sz="1600" dirty="0">
+                <a:solidFill>
+                  <a:schemeClr val="tx2"/>
+                </a:solidFill>
+              </a:rPr>
+              <a:t>越 貴</a:t>
+            </a:r>
+            <a:r>
+              <a:rPr lang="ja-JP" altLang="en-US" sz="1600" dirty="0" smtClean="0">
+                <a:solidFill>
+                  <a:schemeClr val="tx2"/>
+                </a:solidFill>
+              </a:rPr>
+              <a:t>章</a:t>
+            </a:r>
+            <a:r>
+              <a:rPr lang="en-US" altLang="ja-JP" sz="1600" dirty="0">
+                <a:solidFill>
+                  <a:schemeClr val="tx2"/>
+                </a:solidFill>
+              </a:rPr>
+              <a:t> </a:t>
+            </a:r>
+            <a:r>
+              <a:rPr lang="en-US" altLang="ja-JP" sz="1600" dirty="0" smtClean="0">
+                <a:solidFill>
+                  <a:schemeClr val="tx2"/>
+                </a:solidFill>
+              </a:rPr>
+              <a:t>          </a:t>
+            </a:r>
+            <a:r>
+              <a:rPr lang="ja-JP" altLang="en-US" sz="1600" dirty="0" smtClean="0">
+                <a:solidFill>
+                  <a:schemeClr val="tx2"/>
+                </a:solidFill>
+              </a:rPr>
+              <a:t>（プロジェクトサブリーダー）</a:t>
+            </a:r>
+            <a:endParaRPr lang="ja-JP" altLang="en-US" sz="1600" dirty="0">
+              <a:solidFill>
+                <a:schemeClr val="tx2"/>
+              </a:solidFill>
+            </a:endParaRPr>
+          </a:p>
+          <a:p>
+            <a:r>
+              <a:rPr lang="ja-JP" altLang="en-US" sz="1600" dirty="0">
+                <a:solidFill>
+                  <a:schemeClr val="tx2"/>
+                </a:solidFill>
+              </a:rPr>
+              <a:t>ムン </a:t>
+            </a:r>
+            <a:r>
+              <a:rPr lang="ja-JP" altLang="en-US" sz="1600" dirty="0" smtClean="0">
+                <a:solidFill>
+                  <a:schemeClr val="tx2"/>
+                </a:solidFill>
+              </a:rPr>
+              <a:t>アヒョン  （テクニカルリーダー）</a:t>
+            </a:r>
+            <a:endParaRPr lang="ja-JP" altLang="en-US" sz="1600" dirty="0">
+              <a:solidFill>
+                <a:schemeClr val="tx2"/>
+              </a:solidFill>
+            </a:endParaRPr>
+          </a:p>
+          <a:p>
+            <a:r>
+              <a:rPr lang="ja-JP" altLang="en-US" sz="1600" dirty="0" smtClean="0">
+                <a:solidFill>
+                  <a:schemeClr val="tx2"/>
+                </a:solidFill>
+              </a:rPr>
+              <a:t>香川 </a:t>
+            </a:r>
+            <a:r>
+              <a:rPr lang="ja-JP" altLang="en-US" sz="1600" dirty="0">
+                <a:solidFill>
+                  <a:schemeClr val="tx2"/>
+                </a:solidFill>
+              </a:rPr>
+              <a:t>遼</a:t>
+            </a:r>
+            <a:r>
+              <a:rPr lang="ja-JP" altLang="en-US" sz="1600" dirty="0" smtClean="0">
+                <a:solidFill>
+                  <a:schemeClr val="tx2"/>
+                </a:solidFill>
+              </a:rPr>
+              <a:t>太      （</a:t>
+            </a:r>
+            <a:r>
+              <a:rPr lang="ja-JP" altLang="en-US" sz="1600" dirty="0">
+                <a:solidFill>
+                  <a:schemeClr val="tx2"/>
+                </a:solidFill>
+              </a:rPr>
+              <a:t>品質</a:t>
+            </a:r>
+            <a:r>
+              <a:rPr lang="ja-JP" altLang="en-US" sz="1600" dirty="0" smtClean="0">
+                <a:solidFill>
+                  <a:schemeClr val="tx2"/>
+                </a:solidFill>
+              </a:rPr>
+              <a:t>管理）</a:t>
+            </a:r>
+            <a:endParaRPr lang="ja-JP" altLang="en-US" sz="1600" dirty="0">
+              <a:solidFill>
+                <a:schemeClr val="tx2"/>
+              </a:solidFill>
+            </a:endParaRPr>
+          </a:p>
+          <a:p>
+            <a:r>
+              <a:rPr lang="ja-JP" altLang="en-US" sz="1600" dirty="0">
+                <a:solidFill>
+                  <a:schemeClr val="tx2"/>
+                </a:solidFill>
+              </a:rPr>
+              <a:t>鳥海 </a:t>
+            </a:r>
+            <a:r>
+              <a:rPr lang="ja-JP" altLang="en-US" sz="1600" dirty="0" smtClean="0">
+                <a:solidFill>
+                  <a:schemeClr val="tx2"/>
+                </a:solidFill>
+              </a:rPr>
+              <a:t>大海</a:t>
+            </a:r>
+            <a:r>
+              <a:rPr lang="ja-JP" altLang="en-US" sz="1600" dirty="0">
+                <a:solidFill>
+                  <a:schemeClr val="tx2"/>
+                </a:solidFill>
+              </a:rPr>
+              <a:t> </a:t>
+            </a:r>
+            <a:r>
+              <a:rPr lang="ja-JP" altLang="en-US" sz="1600" dirty="0" smtClean="0">
+                <a:solidFill>
+                  <a:schemeClr val="tx2"/>
+                </a:solidFill>
+              </a:rPr>
+              <a:t>     （ライブラリリーダー）</a:t>
+            </a:r>
+            <a:endParaRPr lang="ja-JP" altLang="en-US" sz="1600" dirty="0">
+              <a:solidFill>
+                <a:schemeClr val="tx2"/>
+              </a:solidFill>
+            </a:endParaRPr>
           </a:p>
         </p:txBody>
       </p:sp>
@@ -9938,6 +10152,13 @@
   <p:clrMapOvr>
     <a:masterClrMapping/>
   </p:clrMapOvr>
+  <p:timing>
+    <p:tnLst>
+      <p:par>
+        <p:cTn id="1" dur="indefinite" restart="never" nodeType="tmRoot"/>
+      </p:par>
+    </p:tnLst>
+  </p:timing>
 </p:sld>
 </file>
 
@@ -10053,7 +10274,7 @@
           <a:graphicData uri="http://schemas.openxmlformats.org/presentationml/2006/ole">
             <mc:AlternateContent xmlns:mc="http://schemas.openxmlformats.org/markup-compatibility/2006">
               <mc:Choice xmlns:v="urn:schemas-microsoft-com:vml" Requires="v">
-                <p:oleObj spid="_x0000_s1037" name="ワークシート" r:id="rId4" imgW="2943165" imgH="4124315" progId="Excel.Sheet.12">
+                <p:oleObj spid="_x0000_s1050" name="ワークシート" r:id="rId4" imgW="2943165" imgH="4124315" progId="Excel.Sheet.12">
                   <p:embed/>
                 </p:oleObj>
               </mc:Choice>
@@ -10754,6 +10975,196 @@
       </p:grpSpPr>
       <p:sp>
         <p:nvSpPr>
+          <p:cNvPr id="2" name="タイトル 1"/>
+          <p:cNvSpPr>
+            <a:spLocks noGrp="1"/>
+          </p:cNvSpPr>
+          <p:nvPr>
+            <p:ph type="title"/>
+          </p:nvPr>
+        </p:nvSpPr>
+        <p:spPr/>
+        <p:txBody>
+          <a:bodyPr/>
+          <a:lstStyle/>
+          <a:p>
+            <a:r>
+              <a:rPr kumimoji="1" lang="ja-JP" altLang="en-US" dirty="0" smtClean="0"/>
+              <a:t>開発の振り返り</a:t>
+            </a:r>
+            <a:endParaRPr kumimoji="1" lang="ja-JP" altLang="en-US" dirty="0"/>
+          </a:p>
+        </p:txBody>
+      </p:sp>
+      <p:sp>
+        <p:nvSpPr>
+          <p:cNvPr id="7" name="コンテンツ プレースホルダー 6"/>
+          <p:cNvSpPr>
+            <a:spLocks noGrp="1"/>
+          </p:cNvSpPr>
+          <p:nvPr>
+            <p:ph idx="1"/>
+          </p:nvPr>
+        </p:nvSpPr>
+        <p:spPr>
+          <a:xfrm>
+            <a:off x="395536" y="1600200"/>
+            <a:ext cx="7787208" cy="4800600"/>
+          </a:xfrm>
+        </p:spPr>
+        <p:txBody>
+          <a:bodyPr>
+            <a:normAutofit/>
+          </a:bodyPr>
+          <a:lstStyle/>
+          <a:p>
+            <a:r>
+              <a:rPr lang="en-US" altLang="ja-JP" sz="2800" dirty="0"/>
+              <a:t>Entity</a:t>
+            </a:r>
+            <a:r>
+              <a:rPr lang="ja-JP" altLang="en-US" sz="2800" dirty="0"/>
+              <a:t>の設計で</a:t>
+            </a:r>
+            <a:r>
+              <a:rPr lang="en-US" altLang="ja-JP" sz="2800" dirty="0" err="1"/>
+              <a:t>HotelClass</a:t>
+            </a:r>
+            <a:r>
+              <a:rPr lang="ja-JP" altLang="en-US" sz="2800" dirty="0"/>
+              <a:t>に属性を持たせすぎた。</a:t>
+            </a:r>
+            <a:endParaRPr lang="en-US" altLang="ja-JP" sz="2800" dirty="0"/>
+          </a:p>
+          <a:p>
+            <a:pPr lvl="1"/>
+            <a:r>
+              <a:rPr lang="ja-JP" altLang="en-US" sz="2400" dirty="0"/>
+              <a:t>注文取消の部分で複数の</a:t>
+            </a:r>
+            <a:r>
+              <a:rPr lang="en-US" altLang="ja-JP" sz="2400" dirty="0"/>
+              <a:t>Entity</a:t>
+            </a:r>
+            <a:r>
+              <a:rPr lang="ja-JP" altLang="en-US" sz="2400" dirty="0"/>
+              <a:t>を使う際に複雑になってしまった。</a:t>
+            </a:r>
+            <a:r>
+              <a:rPr lang="en-US" altLang="ja-JP" sz="2400" dirty="0"/>
+              <a:t>	</a:t>
+            </a:r>
+          </a:p>
+          <a:p>
+            <a:r>
+              <a:rPr lang="ja-JP" altLang="en-US" sz="2800" dirty="0"/>
+              <a:t>キャストをすることを安易に考えていた。</a:t>
+            </a:r>
+            <a:endParaRPr lang="en-US" altLang="ja-JP" sz="2800" dirty="0"/>
+          </a:p>
+          <a:p>
+            <a:pPr lvl="1"/>
+            <a:r>
+              <a:rPr lang="en-US" altLang="ja-JP" sz="2400" dirty="0"/>
+              <a:t>Date</a:t>
+            </a:r>
+            <a:r>
+              <a:rPr lang="ja-JP" altLang="en-US" sz="2400" dirty="0"/>
+              <a:t>→</a:t>
+            </a:r>
+            <a:r>
+              <a:rPr lang="en-US" altLang="ja-JP" sz="2400" dirty="0"/>
+              <a:t>String</a:t>
+            </a:r>
+            <a:r>
+              <a:rPr lang="ja-JP" altLang="en-US" sz="2400" dirty="0"/>
+              <a:t>などのキャストで上手くいかず、工数をかけてしまった。</a:t>
+            </a:r>
+            <a:endParaRPr lang="en-US" altLang="ja-JP" sz="2400" dirty="0"/>
+          </a:p>
+          <a:p>
+            <a:r>
+              <a:rPr lang="ja-JP" altLang="en-US" sz="2800" dirty="0"/>
+              <a:t>リクエストとセッションの住み分け</a:t>
+            </a:r>
+            <a:endParaRPr lang="en-US" altLang="ja-JP" sz="2800" dirty="0"/>
+          </a:p>
+          <a:p>
+            <a:pPr lvl="1"/>
+            <a:r>
+              <a:rPr lang="ja-JP" altLang="en-US" sz="2400" dirty="0"/>
+              <a:t>設計の段階でデータの流れをしっかり把握して</a:t>
+            </a:r>
+            <a:r>
+              <a:rPr lang="ja-JP" altLang="en-US" sz="2400" dirty="0" smtClean="0"/>
+              <a:t>いなかった</a:t>
+            </a:r>
+            <a:endParaRPr lang="en-US" altLang="ja-JP" sz="2400" dirty="0"/>
+          </a:p>
+        </p:txBody>
+      </p:sp>
+      <p:sp>
+        <p:nvSpPr>
+          <p:cNvPr id="3" name="スライド番号プレースホルダー 2"/>
+          <p:cNvSpPr>
+            <a:spLocks noGrp="1"/>
+          </p:cNvSpPr>
+          <p:nvPr>
+            <p:ph type="sldNum" sz="quarter" idx="12"/>
+          </p:nvPr>
+        </p:nvSpPr>
+        <p:spPr/>
+        <p:txBody>
+          <a:bodyPr/>
+          <a:lstStyle/>
+          <a:p>
+            <a:fld id="{917E0353-08FE-4955-BF91-2D6150AAA708}" type="slidenum">
+              <a:rPr kumimoji="1" lang="ja-JP" altLang="en-US" smtClean="0"/>
+              <a:t>17</a:t>
+            </a:fld>
+            <a:endParaRPr kumimoji="1" lang="ja-JP" altLang="en-US"/>
+          </a:p>
+        </p:txBody>
+      </p:sp>
+    </p:spTree>
+    <p:extLst>
+      <p:ext uri="{BB962C8B-B14F-4D97-AF65-F5344CB8AC3E}">
+        <p14:creationId xmlns:p14="http://schemas.microsoft.com/office/powerpoint/2010/main" val="3843236672"/>
+      </p:ext>
+    </p:extLst>
+  </p:cSld>
+  <p:clrMapOvr>
+    <a:masterClrMapping/>
+  </p:clrMapOvr>
+  <p:timing>
+    <p:tnLst>
+      <p:par>
+        <p:cTn id="1" dur="indefinite" restart="never" nodeType="tmRoot"/>
+      </p:par>
+    </p:tnLst>
+  </p:timing>
+</p:sld>
+</file>
+
+<file path=ppt/slides/slide18.xml><?xml version="1.0" encoding="utf-8"?>
+<p:sld xmlns:a="http://schemas.openxmlformats.org/drawingml/2006/main" xmlns:r="http://schemas.openxmlformats.org/officeDocument/2006/relationships" xmlns:p="http://schemas.openxmlformats.org/presentationml/2006/main">
+  <p:cSld>
+    <p:spTree>
+      <p:nvGrpSpPr>
+        <p:cNvPr id="1" name=""/>
+        <p:cNvGrpSpPr/>
+        <p:nvPr/>
+      </p:nvGrpSpPr>
+      <p:grpSpPr>
+        <a:xfrm>
+          <a:off x="0" y="0"/>
+          <a:ext cx="0" cy="0"/>
+          <a:chOff x="0" y="0"/>
+          <a:chExt cx="0" cy="0"/>
+        </a:xfrm>
+      </p:grpSpPr>
+      <p:sp>
+        <p:nvSpPr>
           <p:cNvPr id="8" name="タイトル 7"/>
           <p:cNvSpPr>
             <a:spLocks noGrp="1"/>
@@ -10797,7 +11208,7 @@
             <a:fld id="{917E0353-08FE-4955-BF91-2D6150AAA708}" type="slidenum">
               <a:rPr lang="ja-JP" altLang="en-US" smtClean="0"/>
               <a:pPr/>
-              <a:t>17</a:t>
+              <a:t>18</a:t>
             </a:fld>
             <a:endParaRPr lang="ja-JP" altLang="en-US"/>
           </a:p>
@@ -10813,10 +11224,17 @@
   <p:clrMapOvr>
     <a:masterClrMapping/>
   </p:clrMapOvr>
+  <p:timing>
+    <p:tnLst>
+      <p:par>
+        <p:cTn id="1" dur="indefinite" restart="never" nodeType="tmRoot"/>
+      </p:par>
+    </p:tnLst>
+  </p:timing>
 </p:sld>
 </file>
 
-<file path=ppt/slides/slide18.xml><?xml version="1.0" encoding="utf-8"?>
+<file path=ppt/slides/slide19.xml><?xml version="1.0" encoding="utf-8"?>
 <p:sld xmlns:a="http://schemas.openxmlformats.org/drawingml/2006/main" xmlns:r="http://schemas.openxmlformats.org/officeDocument/2006/relationships" xmlns:p="http://schemas.openxmlformats.org/presentationml/2006/main">
   <p:cSld>
     <p:spTree>
@@ -10873,7 +11291,7 @@
           <a:p>
             <a:fld id="{917E0353-08FE-4955-BF91-2D6150AAA708}" type="slidenum">
               <a:rPr kumimoji="1" lang="ja-JP" altLang="en-US" smtClean="0"/>
-              <a:t>18</a:t>
+              <a:t>19</a:t>
             </a:fld>
             <a:endParaRPr kumimoji="1" lang="ja-JP" altLang="en-US"/>
           </a:p>
@@ -11027,7 +11445,192 @@
 </p:sld>
 </file>
 
-<file path=ppt/slides/slide19.xml><?xml version="1.0" encoding="utf-8"?>
+<file path=ppt/slides/slide2.xml><?xml version="1.0" encoding="utf-8"?>
+<p:sld xmlns:a="http://schemas.openxmlformats.org/drawingml/2006/main" xmlns:r="http://schemas.openxmlformats.org/officeDocument/2006/relationships" xmlns:p="http://schemas.openxmlformats.org/presentationml/2006/main">
+  <p:cSld>
+    <p:spTree>
+      <p:nvGrpSpPr>
+        <p:cNvPr id="1" name=""/>
+        <p:cNvGrpSpPr/>
+        <p:nvPr/>
+      </p:nvGrpSpPr>
+      <p:grpSpPr>
+        <a:xfrm>
+          <a:off x="0" y="0"/>
+          <a:ext cx="0" cy="0"/>
+          <a:chOff x="0" y="0"/>
+          <a:chExt cx="0" cy="0"/>
+        </a:xfrm>
+      </p:grpSpPr>
+      <p:sp>
+        <p:nvSpPr>
+          <p:cNvPr id="2" name="タイトル 1"/>
+          <p:cNvSpPr>
+            <a:spLocks noGrp="1"/>
+          </p:cNvSpPr>
+          <p:nvPr>
+            <p:ph type="title"/>
+          </p:nvPr>
+        </p:nvSpPr>
+        <p:spPr/>
+        <p:txBody>
+          <a:bodyPr/>
+          <a:lstStyle/>
+          <a:p>
+            <a:r>
+              <a:rPr kumimoji="1" lang="ja-JP" altLang="en-US" dirty="0" smtClean="0"/>
+              <a:t>アジェンダ</a:t>
+            </a:r>
+            <a:endParaRPr kumimoji="1" lang="ja-JP" altLang="en-US" dirty="0"/>
+          </a:p>
+        </p:txBody>
+      </p:sp>
+      <p:sp>
+        <p:nvSpPr>
+          <p:cNvPr id="3" name="コンテンツ プレースホルダー 2"/>
+          <p:cNvSpPr>
+            <a:spLocks noGrp="1"/>
+          </p:cNvSpPr>
+          <p:nvPr>
+            <p:ph idx="1"/>
+          </p:nvPr>
+        </p:nvSpPr>
+        <p:spPr/>
+        <p:txBody>
+          <a:bodyPr>
+            <a:normAutofit/>
+          </a:bodyPr>
+          <a:lstStyle/>
+          <a:p>
+            <a:pPr>
+              <a:lnSpc>
+                <a:spcPct val="150000"/>
+              </a:lnSpc>
+              <a:buFont typeface="Wingdings" panose="05000000000000000000" pitchFamily="2" charset="2"/>
+              <a:buChar char="n"/>
+            </a:pPr>
+            <a:r>
+              <a:rPr kumimoji="1" lang="ja-JP" altLang="en-US" sz="2800" dirty="0" smtClean="0"/>
+              <a:t>　プロジェクトについて</a:t>
+            </a:r>
+            <a:endParaRPr lang="en-US" altLang="ja-JP" sz="2800" dirty="0" smtClean="0"/>
+          </a:p>
+          <a:p>
+            <a:pPr>
+              <a:lnSpc>
+                <a:spcPct val="150000"/>
+              </a:lnSpc>
+              <a:buFont typeface="Wingdings" panose="05000000000000000000" pitchFamily="2" charset="2"/>
+              <a:buChar char="n"/>
+            </a:pPr>
+            <a:r>
+              <a:rPr lang="ja-JP" altLang="en-US" sz="2800" dirty="0" smtClean="0"/>
+              <a:t>　システムについて</a:t>
+            </a:r>
+            <a:endParaRPr lang="en-US" altLang="ja-JP" sz="2800" dirty="0"/>
+          </a:p>
+          <a:p>
+            <a:pPr>
+              <a:lnSpc>
+                <a:spcPct val="150000"/>
+              </a:lnSpc>
+              <a:buFont typeface="Wingdings" panose="05000000000000000000" pitchFamily="2" charset="2"/>
+              <a:buChar char="n"/>
+            </a:pPr>
+            <a:r>
+              <a:rPr lang="ja-JP" altLang="en-US" sz="2800" dirty="0" smtClean="0"/>
+              <a:t>　システムデモ</a:t>
+            </a:r>
+            <a:endParaRPr lang="en-US" altLang="ja-JP" sz="2800" dirty="0"/>
+          </a:p>
+          <a:p>
+            <a:pPr>
+              <a:lnSpc>
+                <a:spcPct val="150000"/>
+              </a:lnSpc>
+              <a:buFont typeface="Wingdings" panose="05000000000000000000" pitchFamily="2" charset="2"/>
+              <a:buChar char="n"/>
+            </a:pPr>
+            <a:r>
+              <a:rPr lang="ja-JP" altLang="en-US" sz="2800" dirty="0" smtClean="0"/>
+              <a:t>　プロジェクトの</a:t>
+            </a:r>
+            <a:r>
+              <a:rPr lang="en-US" altLang="ja-JP" sz="2800" dirty="0" smtClean="0"/>
+              <a:t>QCD</a:t>
+            </a:r>
+            <a:endParaRPr lang="en-US" altLang="ja-JP" sz="2800" dirty="0"/>
+          </a:p>
+          <a:p>
+            <a:pPr>
+              <a:lnSpc>
+                <a:spcPct val="150000"/>
+              </a:lnSpc>
+              <a:buFont typeface="Wingdings" panose="05000000000000000000" pitchFamily="2" charset="2"/>
+              <a:buChar char="n"/>
+            </a:pPr>
+            <a:r>
+              <a:rPr lang="ja-JP" altLang="en-US" sz="2800" dirty="0" smtClean="0"/>
+              <a:t>　まとめ</a:t>
+            </a:r>
+            <a:endParaRPr lang="en-US" altLang="ja-JP" sz="2800" dirty="0"/>
+          </a:p>
+          <a:p>
+            <a:pPr>
+              <a:lnSpc>
+                <a:spcPct val="150000"/>
+              </a:lnSpc>
+              <a:buFont typeface="Wingdings" panose="05000000000000000000" pitchFamily="2" charset="2"/>
+              <a:buChar char="n"/>
+            </a:pPr>
+            <a:endParaRPr kumimoji="1" lang="ja-JP" altLang="en-US" sz="2800" dirty="0"/>
+          </a:p>
+        </p:txBody>
+      </p:sp>
+      <p:sp>
+        <p:nvSpPr>
+          <p:cNvPr id="4" name="スライド番号プレースホルダー 3"/>
+          <p:cNvSpPr>
+            <a:spLocks noGrp="1"/>
+          </p:cNvSpPr>
+          <p:nvPr>
+            <p:ph type="sldNum" sz="quarter" idx="12"/>
+          </p:nvPr>
+        </p:nvSpPr>
+        <p:spPr/>
+        <p:txBody>
+          <a:bodyPr/>
+          <a:lstStyle/>
+          <a:p>
+            <a:fld id="{917E0353-08FE-4955-BF91-2D6150AAA708}" type="slidenum">
+              <a:rPr kumimoji="1" lang="ja-JP" altLang="en-US" smtClean="0"/>
+              <a:t>2</a:t>
+            </a:fld>
+            <a:endParaRPr kumimoji="1" lang="ja-JP" altLang="en-US"/>
+          </a:p>
+        </p:txBody>
+      </p:sp>
+    </p:spTree>
+    <p:extLst>
+      <p:ext uri="{BB962C8B-B14F-4D97-AF65-F5344CB8AC3E}">
+        <p14:creationId xmlns:p14="http://schemas.microsoft.com/office/powerpoint/2010/main" val="3483621853"/>
+      </p:ext>
+    </p:extLst>
+  </p:cSld>
+  <p:clrMapOvr>
+    <a:masterClrMapping/>
+  </p:clrMapOvr>
+  <p:timing>
+    <p:tnLst>
+      <p:par>
+        <p:cTn id="1" dur="indefinite" restart="never" nodeType="tmRoot"/>
+      </p:par>
+    </p:tnLst>
+  </p:timing>
+</p:sld>
+</file>
+
+<file path=ppt/slides/slide20.xml><?xml version="1.0" encoding="utf-8"?>
 <p:sld xmlns:a="http://schemas.openxmlformats.org/drawingml/2006/main" xmlns:r="http://schemas.openxmlformats.org/officeDocument/2006/relationships" xmlns:p="http://schemas.openxmlformats.org/presentationml/2006/main">
   <p:cSld>
     <p:spTree>
@@ -12508,7 +13111,7 @@
           <a:p>
             <a:fld id="{917E0353-08FE-4955-BF91-2D6150AAA708}" type="slidenum">
               <a:rPr kumimoji="1" lang="ja-JP" altLang="en-US" smtClean="0"/>
-              <a:t>19</a:t>
+              <a:t>20</a:t>
             </a:fld>
             <a:endParaRPr kumimoji="1" lang="ja-JP" altLang="en-US" dirty="0"/>
           </a:p>
@@ -12562,7 +13165,165 @@
 </p:sld>
 </file>
 
-<file path=ppt/slides/slide2.xml><?xml version="1.0" encoding="utf-8"?>
+<file path=ppt/slides/slide21.xml><?xml version="1.0" encoding="utf-8"?>
+<p:sld xmlns:a="http://schemas.openxmlformats.org/drawingml/2006/main" xmlns:r="http://schemas.openxmlformats.org/officeDocument/2006/relationships" xmlns:p="http://schemas.openxmlformats.org/presentationml/2006/main">
+  <p:cSld>
+    <p:spTree>
+      <p:nvGrpSpPr>
+        <p:cNvPr id="1" name=""/>
+        <p:cNvGrpSpPr/>
+        <p:nvPr/>
+      </p:nvGrpSpPr>
+      <p:grpSpPr>
+        <a:xfrm>
+          <a:off x="0" y="0"/>
+          <a:ext cx="0" cy="0"/>
+          <a:chOff x="0" y="0"/>
+          <a:chExt cx="0" cy="0"/>
+        </a:xfrm>
+      </p:grpSpPr>
+      <p:sp>
+        <p:nvSpPr>
+          <p:cNvPr id="6" name="タイトル 5"/>
+          <p:cNvSpPr>
+            <a:spLocks noGrp="1"/>
+          </p:cNvSpPr>
+          <p:nvPr>
+            <p:ph type="title"/>
+          </p:nvPr>
+        </p:nvSpPr>
+        <p:spPr/>
+        <p:txBody>
+          <a:bodyPr/>
+          <a:lstStyle/>
+          <a:p>
+            <a:r>
+              <a:rPr kumimoji="1" lang="ja-JP" altLang="en-US" dirty="0" smtClean="0"/>
+              <a:t>プロジェクトの振り返り</a:t>
+            </a:r>
+            <a:endParaRPr kumimoji="1" lang="ja-JP" altLang="en-US" dirty="0"/>
+          </a:p>
+        </p:txBody>
+      </p:sp>
+      <p:sp>
+        <p:nvSpPr>
+          <p:cNvPr id="7" name="コンテンツ プレースホルダー 6"/>
+          <p:cNvSpPr>
+            <a:spLocks noGrp="1"/>
+          </p:cNvSpPr>
+          <p:nvPr>
+            <p:ph idx="1"/>
+          </p:nvPr>
+        </p:nvSpPr>
+        <p:spPr/>
+        <p:txBody>
+          <a:bodyPr/>
+          <a:lstStyle/>
+          <a:p>
+            <a:r>
+              <a:rPr lang="ja-JP" altLang="en-US" sz="2800" dirty="0"/>
+              <a:t>苦労した点</a:t>
+            </a:r>
+            <a:endParaRPr lang="en-US" altLang="ja-JP" sz="2800" dirty="0"/>
+          </a:p>
+          <a:p>
+            <a:pPr lvl="1"/>
+            <a:r>
+              <a:rPr lang="ja-JP" altLang="en-US" sz="2400" dirty="0"/>
+              <a:t>ファイル共有ツールの扱いに苦戦し、プロジェクトが止まるときが何度かあった。</a:t>
+            </a:r>
+            <a:endParaRPr lang="en-US" altLang="ja-JP" sz="2400" dirty="0"/>
+          </a:p>
+          <a:p>
+            <a:pPr lvl="1"/>
+            <a:r>
+              <a:rPr lang="ja-JP" altLang="en-US" sz="2400" dirty="0"/>
+              <a:t>チーム内で全体の流れの共有が上手くいかなかった</a:t>
+            </a:r>
+            <a:r>
+              <a:rPr lang="ja-JP" altLang="en-US" sz="2400" dirty="0" smtClean="0"/>
+              <a:t>。</a:t>
+            </a:r>
+            <a:endParaRPr lang="en-US" altLang="ja-JP" sz="2400" dirty="0" smtClean="0"/>
+          </a:p>
+          <a:p>
+            <a:pPr marL="411480" lvl="1" indent="0">
+              <a:buNone/>
+            </a:pPr>
+            <a:endParaRPr lang="en-US" altLang="ja-JP" sz="2400" dirty="0"/>
+          </a:p>
+          <a:p>
+            <a:r>
+              <a:rPr lang="ja-JP" altLang="en-US" sz="2800" dirty="0"/>
+              <a:t>工夫した点</a:t>
+            </a:r>
+            <a:endParaRPr lang="en-US" altLang="ja-JP" sz="2800" dirty="0"/>
+          </a:p>
+          <a:p>
+            <a:pPr lvl="1"/>
+            <a:r>
+              <a:rPr lang="ja-JP" altLang="en-US" sz="2400" dirty="0"/>
+              <a:t>お互いに質問し合い、疑問を長引かせないよう心がけた。</a:t>
+            </a:r>
+            <a:endParaRPr lang="en-US" altLang="ja-JP" sz="2400" dirty="0"/>
+          </a:p>
+          <a:p>
+            <a:pPr lvl="1"/>
+            <a:r>
+              <a:rPr lang="ja-JP" altLang="en-US" sz="2400" dirty="0"/>
+              <a:t>ホワイトボードにメンバー個人の状況を書くことで、現状の可視化を行った。</a:t>
+            </a:r>
+            <a:endParaRPr lang="en-US" altLang="ja-JP" sz="2400" dirty="0"/>
+          </a:p>
+          <a:p>
+            <a:endParaRPr kumimoji="1" lang="ja-JP" altLang="en-US" dirty="0"/>
+          </a:p>
+        </p:txBody>
+      </p:sp>
+      <p:sp>
+        <p:nvSpPr>
+          <p:cNvPr id="5" name="スライド番号プレースホルダー 4"/>
+          <p:cNvSpPr>
+            <a:spLocks noGrp="1"/>
+          </p:cNvSpPr>
+          <p:nvPr>
+            <p:ph type="sldNum" sz="quarter" idx="12"/>
+          </p:nvPr>
+        </p:nvSpPr>
+        <p:spPr/>
+        <p:txBody>
+          <a:bodyPr/>
+          <a:lstStyle/>
+          <a:p>
+            <a:fld id="{917E0353-08FE-4955-BF91-2D6150AAA708}" type="slidenum">
+              <a:rPr kumimoji="1" lang="ja-JP" altLang="en-US" smtClean="0"/>
+              <a:t>21</a:t>
+            </a:fld>
+            <a:endParaRPr kumimoji="1" lang="ja-JP" altLang="en-US"/>
+          </a:p>
+        </p:txBody>
+      </p:sp>
+    </p:spTree>
+    <p:extLst>
+      <p:ext uri="{BB962C8B-B14F-4D97-AF65-F5344CB8AC3E}">
+        <p14:creationId xmlns:p14="http://schemas.microsoft.com/office/powerpoint/2010/main" val="1493312460"/>
+      </p:ext>
+    </p:extLst>
+  </p:cSld>
+  <p:clrMapOvr>
+    <a:masterClrMapping/>
+  </p:clrMapOvr>
+  <p:timing>
+    <p:tnLst>
+      <p:par>
+        <p:cTn id="1" dur="indefinite" restart="never" nodeType="tmRoot"/>
+      </p:par>
+    </p:tnLst>
+  </p:timing>
+</p:sld>
+</file>
+
+<file path=ppt/slides/slide22.xml><?xml version="1.0" encoding="utf-8"?>
 <p:sld xmlns:a="http://schemas.openxmlformats.org/drawingml/2006/main" xmlns:r="http://schemas.openxmlformats.org/officeDocument/2006/relationships" xmlns:p="http://schemas.openxmlformats.org/presentationml/2006/main">
   <p:cSld>
     <p:spTree>
@@ -12596,7 +13357,7 @@
           <a:p>
             <a:r>
               <a:rPr kumimoji="1" lang="ja-JP" altLang="en-US" dirty="0" smtClean="0"/>
-              <a:t>アジェンダ</a:t>
+              <a:t>まとめ</a:t>
             </a:r>
             <a:endParaRPr kumimoji="1" lang="ja-JP" altLang="en-US" dirty="0"/>
           </a:p>
@@ -12604,7 +13365,7 @@
       </p:sp>
       <p:sp>
         <p:nvSpPr>
-          <p:cNvPr id="3" name="コンテンツ プレースホルダー 2"/>
+          <p:cNvPr id="6" name="コンテンツ プレースホルダー 5"/>
           <p:cNvSpPr>
             <a:spLocks noGrp="1"/>
           </p:cNvSpPr>
@@ -12617,13 +13378,13 @@
           <a:bodyPr/>
           <a:lstStyle/>
           <a:p>
-            <a:endParaRPr kumimoji="1" lang="ja-JP" altLang="en-US" dirty="0"/>
+            <a:endParaRPr kumimoji="1" lang="ja-JP" altLang="en-US"/>
           </a:p>
         </p:txBody>
       </p:sp>
       <p:sp>
         <p:nvSpPr>
-          <p:cNvPr id="4" name="スライド番号プレースホルダー 3"/>
+          <p:cNvPr id="5" name="スライド番号プレースホルダー 4"/>
           <p:cNvSpPr>
             <a:spLocks noGrp="1"/>
           </p:cNvSpPr>
@@ -12638,7 +13399,7 @@
           <a:p>
             <a:fld id="{917E0353-08FE-4955-BF91-2D6150AAA708}" type="slidenum">
               <a:rPr kumimoji="1" lang="ja-JP" altLang="en-US" smtClean="0"/>
-              <a:t>2</a:t>
+              <a:t>22</a:t>
             </a:fld>
             <a:endParaRPr kumimoji="1" lang="ja-JP" altLang="en-US"/>
           </a:p>
@@ -12647,7 +13408,7 @@
     </p:spTree>
     <p:extLst>
       <p:ext uri="{BB962C8B-B14F-4D97-AF65-F5344CB8AC3E}">
-        <p14:creationId xmlns:p14="http://schemas.microsoft.com/office/powerpoint/2010/main" val="3483621853"/>
+        <p14:creationId xmlns:p14="http://schemas.microsoft.com/office/powerpoint/2010/main" val="4012528348"/>
       </p:ext>
     </p:extLst>
   </p:cSld>
@@ -12661,552 +13422,6 @@
       </p:par>
     </p:tnLst>
   </p:timing>
-</p:sld>
-</file>
-
-<file path=ppt/slides/slide20.xml><?xml version="1.0" encoding="utf-8"?>
-<p:sld xmlns:a="http://schemas.openxmlformats.org/drawingml/2006/main" xmlns:r="http://schemas.openxmlformats.org/officeDocument/2006/relationships" xmlns:p="http://schemas.openxmlformats.org/presentationml/2006/main">
-  <p:cSld>
-    <p:spTree>
-      <p:nvGrpSpPr>
-        <p:cNvPr id="1" name=""/>
-        <p:cNvGrpSpPr/>
-        <p:nvPr/>
-      </p:nvGrpSpPr>
-      <p:grpSpPr>
-        <a:xfrm>
-          <a:off x="0" y="0"/>
-          <a:ext cx="0" cy="0"/>
-          <a:chOff x="0" y="0"/>
-          <a:chExt cx="0" cy="0"/>
-        </a:xfrm>
-      </p:grpSpPr>
-      <p:sp>
-        <p:nvSpPr>
-          <p:cNvPr id="2" name="タイトル 1"/>
-          <p:cNvSpPr>
-            <a:spLocks noGrp="1"/>
-          </p:cNvSpPr>
-          <p:nvPr>
-            <p:ph type="title"/>
-          </p:nvPr>
-        </p:nvSpPr>
-        <p:spPr/>
-        <p:txBody>
-          <a:bodyPr/>
-          <a:lstStyle/>
-          <a:p>
-            <a:r>
-              <a:rPr kumimoji="1" lang="ja-JP" altLang="en-US" dirty="0" smtClean="0"/>
-              <a:t>コスト</a:t>
-            </a:r>
-            <a:endParaRPr kumimoji="1" lang="ja-JP" altLang="en-US" dirty="0"/>
-          </a:p>
-        </p:txBody>
-      </p:sp>
-      <p:graphicFrame>
-        <p:nvGraphicFramePr>
-          <p:cNvPr id="5" name="コンテンツ プレースホルダー 4"/>
-          <p:cNvGraphicFramePr>
-            <a:graphicFrameLocks noGrp="1"/>
-          </p:cNvGraphicFramePr>
-          <p:nvPr>
-            <p:ph idx="1"/>
-          </p:nvPr>
-        </p:nvGraphicFramePr>
-        <p:xfrm>
-          <a:off x="457200" y="1600200"/>
-          <a:ext cx="7620000" cy="4800600"/>
-        </p:xfrm>
-        <a:graphic>
-          <a:graphicData uri="http://schemas.openxmlformats.org/drawingml/2006/table">
-            <a:tbl>
-              <a:tblPr firstRow="1" bandRow="1">
-                <a:tableStyleId>{69012ECD-51FC-41F1-AA8D-1B2483CD663E}</a:tableStyleId>
-              </a:tblPr>
-              <a:tblGrid>
-                <a:gridCol w="224825"/>
-                <a:gridCol w="1296495"/>
-              </a:tblGrid>
-              <a:tr h="482237">
-                <a:tc rowSpan="2" gridSpan="2">
-                  <a:txBody>
-                    <a:bodyPr/>
-                    <a:lstStyle/>
-                    <a:p>
-                      <a:endParaRPr kumimoji="1" lang="ja-JP" altLang="en-US" sz="2300" b="1" dirty="0">
-                        <a:solidFill>
-                          <a:schemeClr val="bg1"/>
-                        </a:solidFill>
-                      </a:endParaRPr>
-                    </a:p>
-                  </a:txBody>
-                  <a:tcPr marL="79513" marR="79513" marT="39756" marB="39756" anchor="ctr">
-                    <a:lnL w="12700" cap="flat" cmpd="sng" algn="ctr">
-                      <a:noFill/>
-                      <a:prstDash val="solid"/>
-                    </a:lnL>
-                    <a:lnR>
-                      <a:noFill/>
-                    </a:lnR>
-                    <a:lnT w="12700" cap="flat" cmpd="sng" algn="ctr">
-                      <a:noFill/>
-                      <a:prstDash val="solid"/>
-                    </a:lnT>
-                    <a:lnB w="12700" cap="flat" cmpd="sng" algn="ctr">
-                      <a:solidFill>
-                        <a:schemeClr val="accent1"/>
-                      </a:solidFill>
-                      <a:prstDash val="solid"/>
-                      <a:round/>
-                      <a:headEnd type="none" w="med" len="med"/>
-                      <a:tailEnd type="none" w="med" len="med"/>
-                    </a:lnB>
-                    <a:lnTlToBr w="12700" cmpd="sng">
-                      <a:noFill/>
-                      <a:prstDash val="solid"/>
-                    </a:lnTlToBr>
-                    <a:lnBlToTr w="12700" cmpd="sng">
-                      <a:noFill/>
-                      <a:prstDash val="solid"/>
-                    </a:lnBlToTr>
-                    <a:solidFill>
-                      <a:schemeClr val="accent1"/>
-                    </a:solidFill>
-                  </a:tcPr>
-                </a:tc>
-                <a:tc rowSpan="2" hMerge="1">
-                  <a:txBody>
-                    <a:bodyPr/>
-                    <a:lstStyle/>
-                    <a:p>
-                      <a:endParaRPr kumimoji="1" lang="ja-JP" altLang="en-US"/>
-                    </a:p>
-                  </a:txBody>
-                  <a:tcPr/>
-                </a:tc>
-              </a:tr>
-              <a:tr h="482237">
-                <a:tc gridSpan="2" vMerge="1">
-                  <a:txBody>
-                    <a:bodyPr/>
-                    <a:lstStyle/>
-                    <a:p>
-                      <a:endParaRPr kumimoji="1" lang="ja-JP" altLang="en-US" sz="2800" b="1" dirty="0"/>
-                    </a:p>
-                  </a:txBody>
-                  <a:tcPr anchor="ctr">
-                    <a:lnL w="38100" cap="flat" cmpd="sng" algn="ctr">
-                      <a:solidFill>
-                        <a:schemeClr val="tx1"/>
-                      </a:solidFill>
-                      <a:prstDash val="solid"/>
-                      <a:round/>
-                      <a:headEnd type="none" w="med" len="med"/>
-                      <a:tailEnd type="none" w="med" len="med"/>
-                    </a:lnL>
-                    <a:lnR w="38100" cap="flat" cmpd="sng" algn="ctr">
-                      <a:solidFill>
-                        <a:schemeClr val="tx1"/>
-                      </a:solidFill>
-                      <a:prstDash val="solid"/>
-                      <a:round/>
-                      <a:headEnd type="none" w="med" len="med"/>
-                      <a:tailEnd type="none" w="med" len="med"/>
-                    </a:lnR>
-                    <a:lnT w="38100" cap="flat" cmpd="sng" algn="ctr">
-                      <a:solidFill>
-                        <a:schemeClr val="tx1"/>
-                      </a:solidFill>
-                      <a:prstDash val="solid"/>
-                      <a:round/>
-                      <a:headEnd type="none" w="med" len="med"/>
-                      <a:tailEnd type="none" w="med" len="med"/>
-                    </a:lnT>
-                    <a:lnB w="38100" cap="flat" cmpd="sng" algn="ctr">
-                      <a:solidFill>
-                        <a:schemeClr val="tx1"/>
-                      </a:solidFill>
-                      <a:prstDash val="solid"/>
-                      <a:round/>
-                      <a:headEnd type="none" w="med" len="med"/>
-                      <a:tailEnd type="none" w="med" len="med"/>
-                    </a:lnB>
-                    <a:solidFill>
-                      <a:schemeClr val="accent5">
-                        <a:lumMod val="20000"/>
-                        <a:lumOff val="80000"/>
-                      </a:schemeClr>
-                    </a:solidFill>
-                  </a:tcPr>
-                </a:tc>
-                <a:tc hMerge="1" vMerge="1">
-                  <a:txBody>
-                    <a:bodyPr/>
-                    <a:lstStyle/>
-                    <a:p>
-                      <a:endParaRPr kumimoji="1" lang="ja-JP" altLang="en-US"/>
-                    </a:p>
-                  </a:txBody>
-                  <a:tcPr/>
-                </a:tc>
-              </a:tr>
-              <a:tr h="459060">
-                <a:tc rowSpan="2">
-                  <a:txBody>
-                    <a:bodyPr/>
-                    <a:lstStyle/>
-                    <a:p>
-                      <a:endParaRPr lang="ja-JP" altLang="en-US"/>
-                    </a:p>
-                  </a:txBody>
-                  <a:tcPr marL="79513" marR="79513" marT="39756" marB="39756" anchor="ctr">
-                    <a:lnR w="12700" cap="flat" cmpd="sng" algn="ctr">
-                      <a:solidFill>
-                        <a:schemeClr val="accent1"/>
-                      </a:solidFill>
-                      <a:prstDash val="solid"/>
-                      <a:round/>
-                      <a:headEnd type="none" w="med" len="med"/>
-                      <a:tailEnd type="none" w="med" len="med"/>
-                    </a:lnR>
-                    <a:lnT w="12700" cap="flat" cmpd="sng" algn="ctr">
-                      <a:solidFill>
-                        <a:schemeClr val="accent1"/>
-                      </a:solidFill>
-                      <a:prstDash val="solid"/>
-                      <a:round/>
-                      <a:headEnd type="none" w="med" len="med"/>
-                      <a:tailEnd type="none" w="med" len="med"/>
-                    </a:lnT>
-                    <a:lnB w="12700" cap="flat" cmpd="sng" algn="ctr">
-                      <a:solidFill>
-                        <a:schemeClr val="accent1"/>
-                      </a:solidFill>
-                      <a:prstDash val="solid"/>
-                      <a:round/>
-                      <a:headEnd type="none" w="med" len="med"/>
-                      <a:tailEnd type="none" w="med" len="med"/>
-                    </a:lnB>
-                  </a:tcPr>
-                </a:tc>
-                <a:tc>
-                  <a:txBody>
-                    <a:bodyPr/>
-                    <a:lstStyle/>
-                    <a:p>
-                      <a:r>
-                        <a:rPr kumimoji="1" lang="ja-JP" altLang="en-US" sz="1800" dirty="0" smtClean="0"/>
-                        <a:t>費用</a:t>
-                      </a:r>
-                      <a:endParaRPr kumimoji="1" lang="ja-JP" altLang="en-US" sz="1800" b="1" dirty="0">
-                        <a:solidFill>
-                          <a:schemeClr val="bg1"/>
-                        </a:solidFill>
-                      </a:endParaRPr>
-                    </a:p>
-                  </a:txBody>
-                  <a:tcPr marL="79513" marR="79513" marT="39756" marB="39756" anchor="ctr">
-                    <a:lnL w="12700" cap="flat" cmpd="sng" algn="ctr">
-                      <a:solidFill>
-                        <a:schemeClr val="accent1"/>
-                      </a:solidFill>
-                      <a:prstDash val="solid"/>
-                      <a:round/>
-                      <a:headEnd type="none" w="med" len="med"/>
-                      <a:tailEnd type="none" w="med" len="med"/>
-                    </a:lnL>
-                    <a:lnT w="12700" cap="flat" cmpd="sng" algn="ctr">
-                      <a:solidFill>
-                        <a:schemeClr val="accent1"/>
-                      </a:solidFill>
-                      <a:prstDash val="solid"/>
-                      <a:round/>
-                      <a:headEnd type="none" w="med" len="med"/>
-                      <a:tailEnd type="none" w="med" len="med"/>
-                    </a:lnT>
-                  </a:tcPr>
-                </a:tc>
-              </a:tr>
-              <a:tr h="412147">
-                <a:tc vMerge="1">
-                  <a:txBody>
-                    <a:bodyPr/>
-                    <a:lstStyle/>
-                    <a:p>
-                      <a:endParaRPr kumimoji="1" lang="ja-JP" altLang="en-US" sz="2800" b="1" dirty="0"/>
-                    </a:p>
-                  </a:txBody>
-                  <a:tcPr anchor="ctr">
-                    <a:solidFill>
-                      <a:schemeClr val="accent5">
-                        <a:lumMod val="20000"/>
-                        <a:lumOff val="80000"/>
-                      </a:schemeClr>
-                    </a:solidFill>
-                  </a:tcPr>
-                </a:tc>
-                <a:tc>
-                  <a:txBody>
-                    <a:bodyPr/>
-                    <a:lstStyle/>
-                    <a:p>
-                      <a:r>
-                        <a:rPr kumimoji="1" lang="ja-JP" altLang="en-US" sz="1800" dirty="0" smtClean="0"/>
-                        <a:t>作業時間</a:t>
-                      </a:r>
-                      <a:endParaRPr kumimoji="1" lang="ja-JP" altLang="en-US" sz="1800" b="1" dirty="0">
-                        <a:solidFill>
-                          <a:schemeClr val="bg1"/>
-                        </a:solidFill>
-                      </a:endParaRPr>
-                    </a:p>
-                  </a:txBody>
-                  <a:tcPr marL="79513" marR="79513" marT="39756" marB="39756" anchor="ctr">
-                    <a:lnL w="12700" cap="flat" cmpd="sng" algn="ctr">
-                      <a:solidFill>
-                        <a:schemeClr val="accent1"/>
-                      </a:solidFill>
-                      <a:prstDash val="solid"/>
-                      <a:round/>
-                      <a:headEnd type="none" w="med" len="med"/>
-                      <a:tailEnd type="none" w="med" len="med"/>
-                    </a:lnL>
-                  </a:tcPr>
-                </a:tc>
-              </a:tr>
-              <a:tr h="412147">
-                <a:tc rowSpan="2">
-                  <a:txBody>
-                    <a:bodyPr/>
-                    <a:lstStyle/>
-                    <a:p>
-                      <a:endParaRPr lang="ja-JP" altLang="en-US"/>
-                    </a:p>
-                  </a:txBody>
-                  <a:tcPr marL="79513" marR="79513" marT="39756" marB="39756" anchor="ctr">
-                    <a:lnR w="12700" cap="flat" cmpd="sng" algn="ctr">
-                      <a:solidFill>
-                        <a:schemeClr val="accent1"/>
-                      </a:solidFill>
-                      <a:prstDash val="solid"/>
-                      <a:round/>
-                      <a:headEnd type="none" w="med" len="med"/>
-                      <a:tailEnd type="none" w="med" len="med"/>
-                    </a:lnR>
-                    <a:lnT w="12700" cap="flat" cmpd="sng" algn="ctr">
-                      <a:solidFill>
-                        <a:schemeClr val="accent1"/>
-                      </a:solidFill>
-                      <a:prstDash val="solid"/>
-                      <a:round/>
-                      <a:headEnd type="none" w="med" len="med"/>
-                      <a:tailEnd type="none" w="med" len="med"/>
-                    </a:lnT>
-                    <a:lnB w="12700" cap="flat" cmpd="sng" algn="ctr">
-                      <a:solidFill>
-                        <a:schemeClr val="accent1"/>
-                      </a:solidFill>
-                      <a:prstDash val="solid"/>
-                      <a:round/>
-                      <a:headEnd type="none" w="med" len="med"/>
-                      <a:tailEnd type="none" w="med" len="med"/>
-                    </a:lnB>
-                  </a:tcPr>
-                </a:tc>
-                <a:tc>
-                  <a:txBody>
-                    <a:bodyPr/>
-                    <a:lstStyle/>
-                    <a:p>
-                      <a:r>
-                        <a:rPr kumimoji="1" lang="ja-JP" altLang="en-US" sz="1800" dirty="0" smtClean="0"/>
-                        <a:t>費用</a:t>
-                      </a:r>
-                      <a:endParaRPr kumimoji="1" lang="ja-JP" altLang="en-US" sz="1800" b="1" dirty="0">
-                        <a:solidFill>
-                          <a:schemeClr val="bg1"/>
-                        </a:solidFill>
-                      </a:endParaRPr>
-                    </a:p>
-                  </a:txBody>
-                  <a:tcPr marL="79513" marR="79513" marT="39756" marB="39756" anchor="ctr">
-                    <a:lnL w="12700" cap="flat" cmpd="sng" algn="ctr">
-                      <a:solidFill>
-                        <a:schemeClr val="accent1"/>
-                      </a:solidFill>
-                      <a:prstDash val="solid"/>
-                      <a:round/>
-                      <a:headEnd type="none" w="med" len="med"/>
-                      <a:tailEnd type="none" w="med" len="med"/>
-                    </a:lnL>
-                  </a:tcPr>
-                </a:tc>
-              </a:tr>
-              <a:tr h="412147">
-                <a:tc vMerge="1">
-                  <a:txBody>
-                    <a:bodyPr/>
-                    <a:lstStyle/>
-                    <a:p>
-                      <a:endParaRPr kumimoji="1" lang="ja-JP" altLang="en-US" sz="2800" b="1" dirty="0"/>
-                    </a:p>
-                  </a:txBody>
-                  <a:tcPr anchor="ctr">
-                    <a:solidFill>
-                      <a:schemeClr val="accent5">
-                        <a:lumMod val="20000"/>
-                        <a:lumOff val="80000"/>
-                      </a:schemeClr>
-                    </a:solidFill>
-                  </a:tcPr>
-                </a:tc>
-                <a:tc>
-                  <a:txBody>
-                    <a:bodyPr/>
-                    <a:lstStyle/>
-                    <a:p>
-                      <a:r>
-                        <a:rPr kumimoji="1" lang="ja-JP" altLang="en-US" sz="1800" dirty="0" smtClean="0"/>
-                        <a:t>作業時間</a:t>
-                      </a:r>
-                      <a:endParaRPr kumimoji="1" lang="ja-JP" altLang="en-US" sz="1800" b="1" dirty="0">
-                        <a:solidFill>
-                          <a:schemeClr val="bg1"/>
-                        </a:solidFill>
-                      </a:endParaRPr>
-                    </a:p>
-                  </a:txBody>
-                  <a:tcPr marL="79513" marR="79513" marT="39756" marB="39756" anchor="ctr">
-                    <a:lnL w="12700" cap="flat" cmpd="sng" algn="ctr">
-                      <a:solidFill>
-                        <a:schemeClr val="accent1"/>
-                      </a:solidFill>
-                      <a:prstDash val="solid"/>
-                      <a:round/>
-                      <a:headEnd type="none" w="med" len="med"/>
-                      <a:tailEnd type="none" w="med" len="med"/>
-                    </a:lnL>
-                  </a:tcPr>
-                </a:tc>
-              </a:tr>
-              <a:tr h="412147">
-                <a:tc gridSpan="2">
-                  <a:txBody>
-                    <a:bodyPr/>
-                    <a:lstStyle/>
-                    <a:p>
-                      <a:r>
-                        <a:rPr kumimoji="1" lang="ja-JP" altLang="en-US" sz="1800" dirty="0" smtClean="0"/>
-                        <a:t>その他</a:t>
-                      </a:r>
-                      <a:endParaRPr kumimoji="1" lang="en-US" altLang="ja-JP" sz="1800" b="1" dirty="0" smtClean="0">
-                        <a:solidFill>
-                          <a:schemeClr val="bg1"/>
-                        </a:solidFill>
-                      </a:endParaRPr>
-                    </a:p>
-                  </a:txBody>
-                  <a:tcPr marL="79513" marR="79513" marT="39756" marB="39756" anchor="ctr">
-                    <a:lnT w="12700" cap="flat" cmpd="sng" algn="ctr">
-                      <a:solidFill>
-                        <a:schemeClr val="accent1"/>
-                      </a:solidFill>
-                      <a:prstDash val="solid"/>
-                      <a:round/>
-                      <a:headEnd type="none" w="med" len="med"/>
-                      <a:tailEnd type="none" w="med" len="med"/>
-                    </a:lnT>
-                  </a:tcPr>
-                </a:tc>
-                <a:tc hMerge="1">
-                  <a:txBody>
-                    <a:bodyPr/>
-                    <a:lstStyle/>
-                    <a:p>
-                      <a:endParaRPr kumimoji="1" lang="ja-JP" altLang="en-US"/>
-                    </a:p>
-                  </a:txBody>
-                  <a:tcPr/>
-                </a:tc>
-              </a:tr>
-              <a:tr h="672294">
-                <a:tc gridSpan="2">
-                  <a:txBody>
-                    <a:bodyPr/>
-                    <a:lstStyle/>
-                    <a:p>
-                      <a:r>
-                        <a:rPr kumimoji="1" lang="ja-JP" altLang="en-US" sz="1800" dirty="0" smtClean="0"/>
-                        <a:t>開発費合計（原価）</a:t>
-                      </a:r>
-                      <a:endParaRPr kumimoji="1" lang="ja-JP" altLang="en-US" sz="1800" b="1" dirty="0">
-                        <a:solidFill>
-                          <a:schemeClr val="bg1"/>
-                        </a:solidFill>
-                      </a:endParaRPr>
-                    </a:p>
-                  </a:txBody>
-                  <a:tcPr marL="79513" marR="79513" marT="39756" marB="39756" anchor="ctr">
-                    <a:lnB w="12700" cap="flat" cmpd="sng" algn="ctr">
-                      <a:solidFill>
-                        <a:schemeClr val="accent1"/>
-                      </a:solidFill>
-                      <a:prstDash val="solid"/>
-                      <a:round/>
-                      <a:headEnd type="none" w="med" len="med"/>
-                      <a:tailEnd type="none" w="med" len="med"/>
-                    </a:lnB>
-                  </a:tcPr>
-                </a:tc>
-                <a:tc hMerge="1">
-                  <a:txBody>
-                    <a:bodyPr/>
-                    <a:lstStyle/>
-                    <a:p>
-                      <a:endParaRPr kumimoji="1" lang="ja-JP" altLang="en-US"/>
-                    </a:p>
-                  </a:txBody>
-                  <a:tcPr/>
-                </a:tc>
-              </a:tr>
-            </a:tbl>
-          </a:graphicData>
-        </a:graphic>
-      </p:graphicFrame>
-      <p:sp>
-        <p:nvSpPr>
-          <p:cNvPr id="4" name="スライド番号プレースホルダー 3"/>
-          <p:cNvSpPr>
-            <a:spLocks noGrp="1"/>
-          </p:cNvSpPr>
-          <p:nvPr>
-            <p:ph type="sldNum" sz="quarter" idx="12"/>
-          </p:nvPr>
-        </p:nvSpPr>
-        <p:spPr/>
-        <p:txBody>
-          <a:bodyPr/>
-          <a:lstStyle/>
-          <a:p>
-            <a:fld id="{917E0353-08FE-4955-BF91-2D6150AAA708}" type="slidenum">
-              <a:rPr kumimoji="1" lang="ja-JP" altLang="en-US" smtClean="0"/>
-              <a:t>20</a:t>
-            </a:fld>
-            <a:endParaRPr kumimoji="1" lang="ja-JP" altLang="en-US"/>
-          </a:p>
-        </p:txBody>
-      </p:sp>
-    </p:spTree>
-    <p:extLst>
-      <p:ext uri="{BB962C8B-B14F-4D97-AF65-F5344CB8AC3E}">
-        <p14:creationId xmlns:p14="http://schemas.microsoft.com/office/powerpoint/2010/main" val="1509026865"/>
-      </p:ext>
-    </p:extLst>
-  </p:cSld>
-  <p:clrMapOvr>
-    <a:masterClrMapping/>
-  </p:clrMapOvr>
 </p:sld>
 </file>
 
@@ -13283,6 +13498,13 @@
   <p:clrMapOvr>
     <a:masterClrMapping/>
   </p:clrMapOvr>
+  <p:timing>
+    <p:tnLst>
+      <p:par>
+        <p:cTn id="1" dur="indefinite" restart="never" nodeType="tmRoot"/>
+      </p:par>
+    </p:tnLst>
+  </p:timing>
 </p:sld>
 </file>
 
@@ -13455,7 +13677,11 @@
             <a:endParaRPr kumimoji="1" lang="en-US" altLang="ja-JP" sz="2400" dirty="0" smtClean="0"/>
           </a:p>
           <a:p>
-            <a:pPr lvl="1"/>
+            <a:pPr lvl="1">
+              <a:lnSpc>
+                <a:spcPct val="150000"/>
+              </a:lnSpc>
+            </a:pPr>
             <a:r>
               <a:rPr lang="en-US" altLang="ja-JP" sz="2800" dirty="0" smtClean="0"/>
               <a:t>1</a:t>
@@ -13475,7 +13701,11 @@
             <a:endParaRPr lang="en-US" altLang="ja-JP" sz="2800" dirty="0"/>
           </a:p>
           <a:p>
-            <a:pPr lvl="1"/>
+            <a:pPr lvl="1">
+              <a:lnSpc>
+                <a:spcPct val="150000"/>
+              </a:lnSpc>
+            </a:pPr>
             <a:r>
               <a:rPr lang="ja-JP" altLang="en-US" sz="2800" dirty="0" smtClean="0"/>
               <a:t>障害</a:t>
@@ -13490,19 +13720,35 @@
             </a:r>
           </a:p>
           <a:p>
-            <a:pPr lvl="1"/>
+            <a:pPr lvl="1">
+              <a:lnSpc>
+                <a:spcPct val="150000"/>
+              </a:lnSpc>
+            </a:pPr>
             <a:r>
               <a:rPr lang="ja-JP" altLang="en-US" sz="2800" dirty="0" smtClean="0"/>
               <a:t>メンバー</a:t>
             </a:r>
             <a:r>
               <a:rPr lang="ja-JP" altLang="en-US" sz="2800" dirty="0"/>
-              <a:t>の作業状況をお互いが把握しつつ進める</a:t>
+              <a:t>の作業状況をお互いが把握</a:t>
+            </a:r>
+            <a:r>
+              <a:rPr lang="ja-JP" altLang="en-US" sz="2800" dirty="0" smtClean="0"/>
+              <a:t>しつつ</a:t>
+            </a:r>
+            <a:r>
+              <a:rPr lang="ja-JP" altLang="en-US" sz="2800" dirty="0"/>
+              <a:t>進める</a:t>
             </a:r>
             <a:endParaRPr lang="en-US" altLang="ja-JP" sz="2800" dirty="0"/>
           </a:p>
           <a:p>
-            <a:pPr lvl="1"/>
+            <a:pPr lvl="1">
+              <a:lnSpc>
+                <a:spcPct val="150000"/>
+              </a:lnSpc>
+            </a:pPr>
             <a:r>
               <a:rPr lang="ja-JP" altLang="en-US" sz="2800" dirty="0" smtClean="0"/>
               <a:t>作業</a:t>
@@ -13511,7 +13757,6 @@
               <a:rPr lang="ja-JP" altLang="en-US" sz="2800" dirty="0"/>
               <a:t>時間を明確に管理する。</a:t>
             </a:r>
-            <a:endParaRPr lang="ja-JP" altLang="en-US" sz="2800" dirty="0"/>
           </a:p>
         </p:txBody>
       </p:sp>
@@ -13728,7 +13973,6 @@
               <a:rPr lang="ja-JP" altLang="en-US" sz="2800" dirty="0"/>
               <a:t>時間を書く。</a:t>
             </a:r>
-            <a:endParaRPr lang="ja-JP" altLang="en-US" sz="2800" dirty="0"/>
           </a:p>
         </p:txBody>
       </p:sp>
@@ -13765,6 +14009,13 @@
   <p:clrMapOvr>
     <a:masterClrMapping/>
   </p:clrMapOvr>
+  <p:timing>
+    <p:tnLst>
+      <p:par>
+        <p:cTn id="1" dur="indefinite" restart="never" nodeType="tmRoot"/>
+      </p:par>
+    </p:tnLst>
+  </p:timing>
 </p:sld>
 </file>
 
@@ -13841,6 +14092,13 @@
   <p:clrMapOvr>
     <a:masterClrMapping/>
   </p:clrMapOvr>
+  <p:timing>
+    <p:tnLst>
+      <p:par>
+        <p:cTn id="1" dur="indefinite" restart="never" nodeType="tmRoot"/>
+      </p:par>
+    </p:tnLst>
+  </p:timing>
 </p:sld>
 </file>
 
@@ -13901,7 +14159,9 @@
           </a:xfrm>
         </p:spPr>
         <p:txBody>
-          <a:bodyPr/>
+          <a:bodyPr>
+            <a:normAutofit lnSpcReduction="10000"/>
+          </a:bodyPr>
           <a:lstStyle/>
           <a:p>
             <a:pPr marL="0" indent="0">
@@ -13913,7 +14173,15 @@
                   <a:schemeClr val="accent1"/>
                 </a:solidFill>
               </a:rPr>
-              <a:t>販売管理システム</a:t>
+              <a:t>販売管理</a:t>
+            </a:r>
+            <a:r>
+              <a:rPr lang="ja-JP" altLang="en-US" sz="2800" b="1" dirty="0" smtClean="0">
+                <a:solidFill>
+                  <a:schemeClr val="accent1"/>
+                </a:solidFill>
+              </a:rPr>
+              <a:t>システム</a:t>
             </a:r>
             <a:endParaRPr lang="en-US" altLang="ja-JP" sz="2800" b="1" dirty="0">
               <a:solidFill>
@@ -13922,36 +14190,114 @@
             </a:endParaRPr>
           </a:p>
           <a:p>
-            <a:endParaRPr lang="en-US" altLang="ja-JP" dirty="0"/>
-          </a:p>
-          <a:p>
+            <a:pPr marL="0" indent="0">
+              <a:buNone/>
+            </a:pPr>
+            <a:r>
+              <a:rPr lang="ja-JP" altLang="en-US" sz="2400" b="1" dirty="0" smtClean="0"/>
+              <a:t>ユーザ</a:t>
+            </a:r>
+            <a:r>
+              <a:rPr lang="en-US" altLang="ja-JP" sz="2400" dirty="0" smtClean="0"/>
+              <a:t>	</a:t>
+            </a:r>
+            <a:r>
+              <a:rPr lang="ja-JP" altLang="en-US" sz="2400" dirty="0" smtClean="0"/>
+              <a:t>：商品を購入する顧客</a:t>
+            </a:r>
+            <a:endParaRPr lang="en-US" altLang="ja-JP" sz="2400" dirty="0" smtClean="0"/>
+          </a:p>
+          <a:p>
+            <a:pPr marL="0" indent="0">
+              <a:buNone/>
+            </a:pPr>
+            <a:r>
+              <a:rPr lang="ja-JP" altLang="en-US" sz="2400" b="1" dirty="0" smtClean="0"/>
+              <a:t>商品</a:t>
+            </a:r>
+            <a:r>
+              <a:rPr lang="en-US" altLang="ja-JP" sz="2400" dirty="0" smtClean="0"/>
+              <a:t>	</a:t>
+            </a:r>
+            <a:r>
+              <a:rPr lang="ja-JP" altLang="en-US" sz="2400" dirty="0" smtClean="0"/>
+              <a:t>：ホテル</a:t>
+            </a:r>
+            <a:endParaRPr lang="en-US" altLang="ja-JP" sz="2400" dirty="0"/>
+          </a:p>
+          <a:p>
+            <a:pPr marL="0" indent="0">
+              <a:buNone/>
+            </a:pPr>
+            <a:endParaRPr lang="en-US" altLang="ja-JP" sz="2400" dirty="0" smtClean="0"/>
+          </a:p>
+          <a:p>
+            <a:pPr marL="0" indent="0">
+              <a:buNone/>
+            </a:pPr>
+            <a:r>
+              <a:rPr lang="ja-JP" altLang="en-US" sz="2400" b="1" dirty="0" smtClean="0">
+                <a:solidFill>
+                  <a:schemeClr val="tx2"/>
+                </a:solidFill>
+              </a:rPr>
+              <a:t>システムの機能</a:t>
+            </a:r>
+            <a:endParaRPr lang="en-US" altLang="ja-JP" sz="2400" b="1" dirty="0" smtClean="0">
+              <a:solidFill>
+                <a:schemeClr val="tx2"/>
+              </a:solidFill>
+            </a:endParaRPr>
+          </a:p>
+          <a:p>
+            <a:pPr lvl="1"/>
+            <a:r>
+              <a:rPr lang="ja-JP" altLang="en-US" sz="2400" dirty="0" smtClean="0"/>
+              <a:t>メインメニュー</a:t>
+            </a:r>
             <a:r>
               <a:rPr lang="ja-JP" altLang="en-US" sz="2400" dirty="0"/>
-              <a:t>開発規模</a:t>
+              <a:t>、ヘッダ、</a:t>
+            </a:r>
+            <a:r>
+              <a:rPr lang="ja-JP" altLang="en-US" sz="2400" dirty="0" smtClean="0"/>
+              <a:t>フッタ</a:t>
+            </a:r>
+            <a:endParaRPr lang="en-US" altLang="ja-JP" sz="2400" dirty="0" smtClean="0"/>
+          </a:p>
+          <a:p>
+            <a:pPr lvl="1"/>
+            <a:r>
+              <a:rPr lang="ja-JP" altLang="en-US" sz="2400" dirty="0"/>
+              <a:t>新規アカウント</a:t>
+            </a:r>
+            <a:r>
+              <a:rPr lang="ja-JP" altLang="en-US" sz="2400" dirty="0" smtClean="0"/>
+              <a:t>登録</a:t>
+            </a:r>
+            <a:endParaRPr lang="en-US" altLang="ja-JP" sz="2400" dirty="0" smtClean="0"/>
+          </a:p>
+          <a:p>
+            <a:pPr lvl="1"/>
+            <a:r>
+              <a:rPr lang="ja-JP" altLang="en-US" sz="2400" dirty="0" smtClean="0"/>
+              <a:t>ログイン</a:t>
+            </a:r>
+            <a:r>
+              <a:rPr lang="ja-JP" altLang="en-US" sz="2400" dirty="0"/>
+              <a:t>、ログアウト</a:t>
             </a:r>
             <a:endParaRPr lang="en-US" altLang="ja-JP" sz="2400" dirty="0"/>
           </a:p>
           <a:p>
             <a:pPr lvl="1"/>
             <a:r>
+              <a:rPr lang="ja-JP" altLang="en-US" sz="2400" dirty="0" smtClean="0"/>
+              <a:t>商品検索</a:t>
+            </a:r>
+            <a:r>
               <a:rPr lang="ja-JP" altLang="en-US" sz="2400" dirty="0"/>
-              <a:t>メインメニュー、ヘッダ、フッタ</a:t>
-            </a:r>
-            <a:endParaRPr lang="en-US" altLang="ja-JP" sz="2400" dirty="0"/>
-          </a:p>
-          <a:p>
-            <a:pPr lvl="1"/>
-            <a:r>
-              <a:rPr lang="ja-JP" altLang="en-US" sz="2400" dirty="0"/>
-              <a:t>ログイン、ログアウト</a:t>
-            </a:r>
-            <a:endParaRPr lang="en-US" altLang="ja-JP" sz="2400" dirty="0"/>
-          </a:p>
-          <a:p>
-            <a:pPr lvl="1"/>
-            <a:r>
-              <a:rPr lang="ja-JP" altLang="en-US" sz="2400" dirty="0"/>
-              <a:t>商品（ホテル）検索、購入</a:t>
+              <a:t>、購入</a:t>
             </a:r>
             <a:endParaRPr lang="en-US" altLang="ja-JP" sz="2400" dirty="0"/>
           </a:p>
@@ -13967,21 +14313,13 @@
             <a:pPr lvl="1"/>
             <a:r>
               <a:rPr lang="ja-JP" altLang="en-US" sz="2400" dirty="0"/>
-              <a:t>注文一覧表示、注文取消（ログインユーザのみ）</a:t>
+              <a:t>注文一覧表示、注文取消（ログインユーザのみ</a:t>
+            </a:r>
+            <a:r>
+              <a:rPr lang="ja-JP" altLang="en-US" sz="2400" dirty="0" smtClean="0"/>
+              <a:t>）</a:t>
             </a:r>
             <a:endParaRPr lang="en-US" altLang="ja-JP" sz="2400" dirty="0"/>
-          </a:p>
-          <a:p>
-            <a:pPr lvl="1"/>
-            <a:r>
-              <a:rPr lang="ja-JP" altLang="en-US" sz="2400" dirty="0"/>
-              <a:t>新規アカウント</a:t>
-            </a:r>
-            <a:r>
-              <a:rPr lang="ja-JP" altLang="en-US" sz="2400" dirty="0" smtClean="0"/>
-              <a:t>登録</a:t>
-            </a:r>
-            <a:endParaRPr lang="ja-JP" altLang="en-US" sz="2400" dirty="0"/>
           </a:p>
         </p:txBody>
       </p:sp>
@@ -14100,25 +14438,25 @@
           <p:nvPr>
             <p:extLst>
               <p:ext uri="{D42A27DB-BD31-4B8C-83A1-F6EECF244321}">
-                <p14:modId xmlns:p14="http://schemas.microsoft.com/office/powerpoint/2010/main" val="2409893384"/>
+                <p14:modId xmlns:p14="http://schemas.microsoft.com/office/powerpoint/2010/main" val="2281164686"/>
               </p:ext>
             </p:extLst>
           </p:nvPr>
         </p:nvGraphicFramePr>
         <p:xfrm>
-          <a:off x="611560" y="1340768"/>
-          <a:ext cx="7331432" cy="5282282"/>
+          <a:off x="611188" y="1268760"/>
+          <a:ext cx="7331075" cy="5508625"/>
         </p:xfrm>
         <a:graphic>
           <a:graphicData uri="http://schemas.openxmlformats.org/presentationml/2006/ole">
             <mc:AlternateContent xmlns:mc="http://schemas.openxmlformats.org/markup-compatibility/2006">
               <mc:Choice xmlns:v="urn:schemas-microsoft-com:vml" Requires="v">
-                <p:oleObj spid="_x0000_s4100" name="ワークシート" r:id="rId3" imgW="7086488" imgH="5105524" progId="Excel.Sheet.12">
+                <p:oleObj spid="_x0000_s4113" name="ワークシート" r:id="rId3" imgW="7086488" imgH="5324440" progId="Excel.Sheet.12">
                   <p:embed/>
                 </p:oleObj>
               </mc:Choice>
               <mc:Fallback>
-                <p:oleObj name="ワークシート" r:id="rId3" imgW="7086488" imgH="5105524" progId="Excel.Sheet.12">
+                <p:oleObj name="ワークシート" r:id="rId3" imgW="7086488" imgH="5324440" progId="Excel.Sheet.12">
                   <p:embed/>
                   <p:pic>
                     <p:nvPicPr>
@@ -14137,8 +14475,8 @@
                     </p:blipFill>
                     <p:spPr bwMode="auto">
                       <a:xfrm>
-                        <a:off x="611560" y="1340768"/>
-                        <a:ext cx="7331432" cy="5282282"/>
+                        <a:off x="611188" y="1268760"/>
+                        <a:ext cx="7331075" cy="5508625"/>
                       </a:xfrm>
                       <a:prstGeom prst="rect">
                         <a:avLst/>

--- a/doc/unfinished/Presentation/5_fgoプレゼン資料.pptx
+++ b/doc/unfinished/Presentation/5_fgoプレゼン資料.pptx
@@ -10274,12 +10274,12 @@
           <a:graphicData uri="http://schemas.openxmlformats.org/presentationml/2006/ole">
             <mc:AlternateContent xmlns:mc="http://schemas.openxmlformats.org/markup-compatibility/2006">
               <mc:Choice xmlns:v="urn:schemas-microsoft-com:vml" Requires="v">
-                <p:oleObj spid="_x0000_s1050" name="ワークシート" r:id="rId4" imgW="2943165" imgH="4124315" progId="Excel.Sheet.12">
+                <p:oleObj spid="_x0000_s1051" name="ワークシート" r:id="rId5" imgW="2943165" imgH="4124315" progId="Excel.Sheet.12">
                   <p:embed/>
                 </p:oleObj>
               </mc:Choice>
               <mc:Fallback>
-                <p:oleObj name="ワークシート" r:id="rId4" imgW="2943165" imgH="4124315" progId="Excel.Sheet.12">
+                <p:oleObj name="ワークシート" r:id="rId5" imgW="2943165" imgH="4124315" progId="Excel.Sheet.12">
                   <p:embed/>
                   <p:pic>
                     <p:nvPicPr>
@@ -10290,7 +10290,7 @@
                       <p:nvPr/>
                     </p:nvPicPr>
                     <p:blipFill>
-                      <a:blip r:embed="rId5"/>
+                      <a:blip r:embed="rId6"/>
                       <a:srcRect/>
                       <a:stretch>
                         <a:fillRect/>
@@ -10790,38 +10790,96 @@
           </a:bodyPr>
           <a:lstStyle/>
           <a:p>
+            <a:pPr marL="114300" indent="0" algn="ctr">
+              <a:buNone/>
+            </a:pPr>
+            <a:r>
+              <a:rPr lang="ja-JP" altLang="en-US" sz="2800" dirty="0" smtClean="0"/>
+              <a:t>ショッピングカート</a:t>
+            </a:r>
             <a:r>
               <a:rPr lang="ja-JP" altLang="en-US" sz="2800" dirty="0"/>
-              <a:t>未ログイン</a:t>
+              <a:t>に商品を追加</a:t>
             </a:r>
             <a:r>
               <a:rPr lang="ja-JP" altLang="en-US" sz="2800" dirty="0" smtClean="0"/>
-              <a:t>時、ショッピングカート</a:t>
+              <a:t>した</a:t>
+            </a:r>
+            <a:r>
+              <a:rPr lang="ja-JP" altLang="en-US" sz="2800" dirty="0" smtClean="0"/>
+              <a:t>後に</a:t>
+            </a:r>
+            <a:endParaRPr lang="en-US" altLang="ja-JP" sz="2800" dirty="0" smtClean="0"/>
+          </a:p>
+          <a:p>
+            <a:pPr marL="114300" indent="0" algn="ctr">
+              <a:buNone/>
+            </a:pPr>
+            <a:r>
+              <a:rPr lang="ja-JP" altLang="en-US" sz="2800" dirty="0" smtClean="0"/>
+              <a:t>ロ</a:t>
+            </a:r>
+            <a:r>
+              <a:rPr lang="ja-JP" altLang="en-US" sz="2800" dirty="0" smtClean="0"/>
+              <a:t>グインを行っても、</a:t>
+            </a:r>
+            <a:endParaRPr lang="en-US" altLang="ja-JP" sz="2800" dirty="0" smtClean="0"/>
+          </a:p>
+          <a:p>
+            <a:pPr marL="114300" indent="0" algn="ctr">
+              <a:buNone/>
+            </a:pPr>
+            <a:r>
+              <a:rPr lang="ja-JP" altLang="en-US" sz="2800" dirty="0" smtClean="0"/>
+              <a:t>直前</a:t>
             </a:r>
             <a:r>
               <a:rPr lang="ja-JP" altLang="en-US" sz="2800" dirty="0"/>
-              <a:t>に商品を追加した</a:t>
+              <a:t>のショッピングカートの情報が引き継がれる</a:t>
             </a:r>
             <a:r>
               <a:rPr lang="ja-JP" altLang="en-US" sz="2800" dirty="0" smtClean="0"/>
-              <a:t>際にログイン</a:t>
-            </a:r>
-            <a:r>
-              <a:rPr lang="ja-JP" altLang="en-US" sz="2800" dirty="0"/>
-              <a:t>した後も直前のショッピングカートの情報が引き継がれる。</a:t>
-            </a:r>
+              <a:t>。</a:t>
+            </a:r>
+            <a:endParaRPr lang="en-US" altLang="ja-JP" sz="2800" dirty="0" smtClean="0"/>
+          </a:p>
+          <a:p>
+            <a:pPr marL="114300" indent="0" algn="ctr">
+              <a:buNone/>
+            </a:pPr>
             <a:endParaRPr lang="en-US" altLang="ja-JP" sz="2800" dirty="0"/>
           </a:p>
           <a:p>
-            <a:r>
-              <a:rPr lang="ja-JP" altLang="en-US" sz="2800" dirty="0"/>
-              <a:t>登録も</a:t>
-            </a:r>
+            <a:pPr marL="114300" indent="0" algn="ctr">
+              <a:buNone/>
+            </a:pPr>
+            <a:endParaRPr lang="en-US" altLang="ja-JP" sz="2800" dirty="0" smtClean="0"/>
+          </a:p>
+          <a:p>
+            <a:pPr marL="114300" indent="0" algn="ctr">
+              <a:buNone/>
+            </a:pPr>
+            <a:endParaRPr lang="en-US" altLang="ja-JP" sz="2800" dirty="0" smtClean="0"/>
+          </a:p>
+          <a:p>
+            <a:pPr marL="114300" indent="0" algn="ctr">
+              <a:buNone/>
+            </a:pPr>
             <a:r>
               <a:rPr lang="ja-JP" altLang="en-US" sz="2800" dirty="0" smtClean="0"/>
-              <a:t>同様</a:t>
-            </a:r>
-            <a:endParaRPr lang="ja-JP" altLang="en-US" sz="2800" dirty="0"/>
+              <a:t>ログインし忘れてもスムーズに</a:t>
+            </a:r>
+            <a:endParaRPr lang="en-US" altLang="ja-JP" sz="2800" dirty="0" smtClean="0"/>
+          </a:p>
+          <a:p>
+            <a:pPr marL="114300" indent="0" algn="ctr">
+              <a:buNone/>
+            </a:pPr>
+            <a:r>
+              <a:rPr lang="ja-JP" altLang="en-US" sz="2800" dirty="0" smtClean="0"/>
+              <a:t>購入することができる！</a:t>
+            </a:r>
+            <a:endParaRPr lang="en-US" altLang="ja-JP" sz="2800" dirty="0"/>
           </a:p>
         </p:txBody>
       </p:sp>
@@ -10844,6 +10902,46 @@
               <a:rPr kumimoji="1" lang="ja-JP" altLang="en-US" smtClean="0"/>
               <a:t>15</a:t>
             </a:fld>
+            <a:endParaRPr kumimoji="1" lang="ja-JP" altLang="en-US"/>
+          </a:p>
+        </p:txBody>
+      </p:sp>
+      <p:sp>
+        <p:nvSpPr>
+          <p:cNvPr id="5" name="下矢印 4"/>
+          <p:cNvSpPr/>
+          <p:nvPr/>
+        </p:nvSpPr>
+        <p:spPr>
+          <a:xfrm>
+            <a:off x="3976328" y="3500760"/>
+            <a:ext cx="504056" cy="720080"/>
+          </a:xfrm>
+          <a:prstGeom prst="downArrow">
+            <a:avLst/>
+          </a:prstGeom>
+        </p:spPr>
+        <p:style>
+          <a:lnRef idx="2">
+            <a:schemeClr val="accent1">
+              <a:shade val="50000"/>
+            </a:schemeClr>
+          </a:lnRef>
+          <a:fillRef idx="1">
+            <a:schemeClr val="accent1"/>
+          </a:fillRef>
+          <a:effectRef idx="0">
+            <a:schemeClr val="accent1"/>
+          </a:effectRef>
+          <a:fontRef idx="minor">
+            <a:schemeClr val="lt1"/>
+          </a:fontRef>
+        </p:style>
+        <p:txBody>
+          <a:bodyPr rtlCol="0" anchor="ctr"/>
+          <a:lstStyle/>
+          <a:p>
+            <a:pPr algn="ctr"/>
             <a:endParaRPr kumimoji="1" lang="ja-JP" altLang="en-US"/>
           </a:p>
         </p:txBody>
@@ -14451,12 +14549,12 @@
           <a:graphicData uri="http://schemas.openxmlformats.org/presentationml/2006/ole">
             <mc:AlternateContent xmlns:mc="http://schemas.openxmlformats.org/markup-compatibility/2006">
               <mc:Choice xmlns:v="urn:schemas-microsoft-com:vml" Requires="v">
-                <p:oleObj spid="_x0000_s4113" name="ワークシート" r:id="rId3" imgW="7086488" imgH="5324440" progId="Excel.Sheet.12">
+                <p:oleObj spid="_x0000_s4114" name="ワークシート" r:id="rId4" imgW="7086488" imgH="5324440" progId="Excel.Sheet.12">
                   <p:embed/>
                 </p:oleObj>
               </mc:Choice>
               <mc:Fallback>
-                <p:oleObj name="ワークシート" r:id="rId3" imgW="7086488" imgH="5324440" progId="Excel.Sheet.12">
+                <p:oleObj name="ワークシート" r:id="rId4" imgW="7086488" imgH="5324440" progId="Excel.Sheet.12">
                   <p:embed/>
                   <p:pic>
                     <p:nvPicPr>
@@ -14467,7 +14565,7 @@
                       <p:nvPr/>
                     </p:nvPicPr>
                     <p:blipFill>
-                      <a:blip r:embed="rId4"/>
+                      <a:blip r:embed="rId5"/>
                       <a:srcRect/>
                       <a:stretch>
                         <a:fillRect/>

--- a/doc/unfinished/Presentation/5_fgoプレゼン資料.pptx
+++ b/doc/unfinished/Presentation/5_fgoプレゼン資料.pptx
@@ -10274,7 +10274,7 @@
           <a:graphicData uri="http://schemas.openxmlformats.org/presentationml/2006/ole">
             <mc:AlternateContent xmlns:mc="http://schemas.openxmlformats.org/markup-compatibility/2006">
               <mc:Choice xmlns:v="urn:schemas-microsoft-com:vml" Requires="v">
-                <p:oleObj spid="_x0000_s1051" name="ワークシート" r:id="rId5" imgW="2943165" imgH="4124315" progId="Excel.Sheet.12">
+                <p:oleObj spid="_x0000_s1052" name="ワークシート" r:id="rId5" imgW="2943165" imgH="4124315" progId="Excel.Sheet.12">
                   <p:embed/>
                 </p:oleObj>
               </mc:Choice>
@@ -10803,11 +10803,7 @@
             </a:r>
             <a:r>
               <a:rPr lang="ja-JP" altLang="en-US" sz="2800" dirty="0" smtClean="0"/>
-              <a:t>した</a:t>
-            </a:r>
-            <a:r>
-              <a:rPr lang="ja-JP" altLang="en-US" sz="2800" dirty="0" smtClean="0"/>
-              <a:t>後に</a:t>
+              <a:t>した後に</a:t>
             </a:r>
             <a:endParaRPr lang="en-US" altLang="ja-JP" sz="2800" dirty="0" smtClean="0"/>
           </a:p>
@@ -10817,11 +10813,7 @@
             </a:pPr>
             <a:r>
               <a:rPr lang="ja-JP" altLang="en-US" sz="2800" dirty="0" smtClean="0"/>
-              <a:t>ロ</a:t>
-            </a:r>
-            <a:r>
-              <a:rPr lang="ja-JP" altLang="en-US" sz="2800" dirty="0" smtClean="0"/>
-              <a:t>グインを行っても、</a:t>
+              <a:t>ログインを行っても、</a:t>
             </a:r>
             <a:endParaRPr lang="en-US" altLang="ja-JP" sz="2800" dirty="0" smtClean="0"/>
           </a:p>
@@ -13769,10 +13761,10 @@
           <a:lstStyle/>
           <a:p>
             <a:r>
-              <a:rPr kumimoji="1" lang="ja-JP" altLang="en-US" sz="3200" dirty="0" smtClean="0"/>
+              <a:rPr lang="ja-JP" altLang="en-US" sz="3200" dirty="0"/>
               <a:t>目標</a:t>
             </a:r>
-            <a:endParaRPr kumimoji="1" lang="en-US" altLang="ja-JP" sz="2400" dirty="0" smtClean="0"/>
+            <a:endParaRPr lang="en-US" altLang="ja-JP" sz="2400" dirty="0"/>
           </a:p>
           <a:p>
             <a:pPr lvl="1">
@@ -13780,23 +13772,7 @@
                 <a:spcPct val="150000"/>
               </a:lnSpc>
             </a:pPr>
-            <a:r>
-              <a:rPr lang="en-US" altLang="ja-JP" sz="2800" dirty="0" smtClean="0"/>
-              <a:t>1</a:t>
-            </a:r>
-            <a:r>
-              <a:rPr lang="ja-JP" altLang="en-US" sz="2800" dirty="0"/>
-              <a:t>日</a:t>
-            </a:r>
-            <a:r>
-              <a:rPr lang="en-US" altLang="ja-JP" sz="2800" dirty="0"/>
-              <a:t>3</a:t>
-            </a:r>
-            <a:r>
-              <a:rPr lang="ja-JP" altLang="en-US" sz="2800" dirty="0"/>
-              <a:t>回定例共有会を行う</a:t>
-            </a:r>
-            <a:endParaRPr lang="en-US" altLang="ja-JP" sz="2800" dirty="0"/>
+            <a:endParaRPr lang="en-US" altLang="ja-JP" sz="1000" dirty="0"/>
           </a:p>
           <a:p>
             <a:pPr lvl="1">
@@ -13805,17 +13781,22 @@
               </a:lnSpc>
             </a:pPr>
             <a:r>
-              <a:rPr lang="ja-JP" altLang="en-US" sz="2800" dirty="0" smtClean="0"/>
-              <a:t>障害</a:t>
-            </a:r>
-            <a:r>
-              <a:rPr lang="ja-JP" altLang="en-US" sz="2800" dirty="0"/>
-              <a:t>発生率</a:t>
-            </a:r>
-            <a:r>
-              <a:rPr lang="en-US" altLang="ja-JP" sz="2800" dirty="0"/>
-              <a:t>±10%</a:t>
-            </a:r>
+              <a:rPr lang="en-US" altLang="ja-JP" sz="2400" dirty="0"/>
+              <a:t>1</a:t>
+            </a:r>
+            <a:r>
+              <a:rPr lang="ja-JP" altLang="en-US" sz="2400" dirty="0"/>
+              <a:t>日</a:t>
+            </a:r>
+            <a:r>
+              <a:rPr lang="en-US" altLang="ja-JP" sz="2400" dirty="0"/>
+              <a:t>3</a:t>
+            </a:r>
+            <a:r>
+              <a:rPr lang="ja-JP" altLang="en-US" sz="2400" dirty="0"/>
+              <a:t>回定例共有会を行う</a:t>
+            </a:r>
+            <a:endParaRPr lang="en-US" altLang="ja-JP" sz="2400" dirty="0"/>
           </a:p>
           <a:p>
             <a:pPr lvl="1">
@@ -13824,22 +13805,13 @@
               </a:lnSpc>
             </a:pPr>
             <a:r>
-              <a:rPr lang="ja-JP" altLang="en-US" sz="2800" dirty="0" smtClean="0"/>
-              <a:t>メンバー</a:t>
-            </a:r>
-            <a:r>
-              <a:rPr lang="ja-JP" altLang="en-US" sz="2800" dirty="0"/>
-              <a:t>の作業状況をお互いが把握</a:t>
-            </a:r>
-            <a:r>
-              <a:rPr lang="ja-JP" altLang="en-US" sz="2800" dirty="0" smtClean="0"/>
-              <a:t>しつつ</a:t>
-            </a:r>
-            <a:r>
-              <a:rPr lang="ja-JP" altLang="en-US" sz="2800" dirty="0"/>
-              <a:t>進める</a:t>
-            </a:r>
-            <a:endParaRPr lang="en-US" altLang="ja-JP" sz="2800" dirty="0"/>
+              <a:rPr lang="ja-JP" altLang="en-US" sz="2400" dirty="0"/>
+              <a:t>障害発生率</a:t>
+            </a:r>
+            <a:r>
+              <a:rPr lang="en-US" altLang="ja-JP" sz="2400" dirty="0"/>
+              <a:t>±10%</a:t>
+            </a:r>
           </a:p>
           <a:p>
             <a:pPr lvl="1">
@@ -13847,14 +13819,31 @@
                 <a:spcPct val="150000"/>
               </a:lnSpc>
             </a:pPr>
-            <a:r>
-              <a:rPr lang="ja-JP" altLang="en-US" sz="2800" dirty="0" smtClean="0"/>
-              <a:t>作業</a:t>
-            </a:r>
-            <a:r>
-              <a:rPr lang="ja-JP" altLang="en-US" sz="2800" dirty="0"/>
-              <a:t>時間を明確に管理する。</a:t>
-            </a:r>
+            <a:endParaRPr lang="en-US" altLang="ja-JP" sz="1000" dirty="0"/>
+          </a:p>
+          <a:p>
+            <a:pPr lvl="1">
+              <a:lnSpc>
+                <a:spcPct val="150000"/>
+              </a:lnSpc>
+            </a:pPr>
+            <a:r>
+              <a:rPr lang="ja-JP" altLang="en-US" sz="2400" dirty="0"/>
+              <a:t>メンバーの作業状況をお互いが把握しつつ進める</a:t>
+            </a:r>
+            <a:endParaRPr lang="en-US" altLang="ja-JP" sz="2400" dirty="0"/>
+          </a:p>
+          <a:p>
+            <a:pPr lvl="1">
+              <a:lnSpc>
+                <a:spcPct val="150000"/>
+              </a:lnSpc>
+            </a:pPr>
+            <a:r>
+              <a:rPr lang="ja-JP" altLang="en-US" sz="2400" dirty="0"/>
+              <a:t>作業時間を明確に管理する。</a:t>
+            </a:r>
+            <a:endParaRPr lang="ja-JP" altLang="en-US" sz="2400" dirty="0"/>
           </a:p>
         </p:txBody>
       </p:sp>
@@ -13959,7 +13948,7 @@
           <a:lstStyle/>
           <a:p>
             <a:r>
-              <a:rPr lang="en-US" altLang="ja-JP" sz="2800" dirty="0" smtClean="0"/>
+              <a:rPr lang="en-US" altLang="ja-JP" sz="2800" dirty="0"/>
               <a:t>1</a:t>
             </a:r>
             <a:r>
@@ -13972,68 +13961,44 @@
             </a:r>
             <a:r>
               <a:rPr lang="ja-JP" altLang="en-US" sz="2800" dirty="0"/>
-              <a:t>回定例共有会を行う</a:t>
-            </a:r>
-            <a:r>
-              <a:rPr lang="ja-JP" altLang="en-US" sz="2800" dirty="0" smtClean="0"/>
-              <a:t>。</a:t>
-            </a:r>
-            <a:endParaRPr lang="en-US" altLang="ja-JP" sz="2800" dirty="0" smtClean="0"/>
+              <a:t>回定例共有会を行う。</a:t>
+            </a:r>
+            <a:endParaRPr lang="en-US" altLang="ja-JP" sz="2800" dirty="0"/>
           </a:p>
           <a:p>
             <a:pPr lvl="1"/>
             <a:r>
-              <a:rPr lang="ja-JP" altLang="en-US" sz="2400" dirty="0" smtClean="0"/>
-              <a:t>朝</a:t>
-            </a:r>
-            <a:r>
-              <a:rPr lang="ja-JP" altLang="en-US" sz="2400" dirty="0"/>
-              <a:t>、昼、夕の３回チームミーティングを行い</a:t>
-            </a:r>
-            <a:r>
-              <a:rPr lang="ja-JP" altLang="en-US" sz="2400" dirty="0" smtClean="0"/>
-              <a:t>、　　　　　情報</a:t>
-            </a:r>
-            <a:r>
-              <a:rPr lang="ja-JP" altLang="en-US" sz="2400" dirty="0"/>
-              <a:t>の共有を行う。</a:t>
-            </a:r>
-            <a:endParaRPr lang="en-US" altLang="ja-JP" sz="2400" dirty="0"/>
-          </a:p>
-          <a:p>
-            <a:r>
-              <a:rPr lang="ja-JP" altLang="en-US" sz="2800" dirty="0" smtClean="0"/>
-              <a:t>プッシュ</a:t>
-            </a:r>
+              <a:rPr lang="ja-JP" altLang="en-US" dirty="0"/>
+              <a:t>朝、昼、夕の３回チームミーティングを行い、情報の共有を行う。</a:t>
+            </a:r>
+            <a:endParaRPr lang="en-US" altLang="ja-JP" dirty="0"/>
+          </a:p>
+          <a:p>
+            <a:pPr lvl="1"/>
+            <a:endParaRPr lang="en-US" altLang="ja-JP" sz="1000" dirty="0"/>
+          </a:p>
+          <a:p>
             <a:r>
               <a:rPr lang="ja-JP" altLang="en-US" sz="2800" dirty="0"/>
-              <a:t>はお昼休憩前、夕方の</a:t>
-            </a:r>
-            <a:r>
-              <a:rPr lang="ja-JP" altLang="en-US" sz="2800" dirty="0" smtClean="0"/>
-              <a:t>チーム　　　　ミーティング</a:t>
-            </a:r>
-            <a:r>
-              <a:rPr lang="ja-JP" altLang="en-US" sz="2800" dirty="0"/>
-              <a:t>前後に行う。</a:t>
+              <a:t>プッシュ（ファイル共有）はお昼休憩前、　　　　夕方のチームミーティング前後。</a:t>
             </a:r>
             <a:endParaRPr lang="en-US" altLang="ja-JP" sz="2800" dirty="0"/>
           </a:p>
           <a:p>
             <a:pPr lvl="1"/>
             <a:r>
-              <a:rPr lang="ja-JP" altLang="en-US" sz="2400" dirty="0" smtClean="0"/>
-              <a:t>作成</a:t>
-            </a:r>
-            <a:r>
-              <a:rPr lang="ja-JP" altLang="en-US" sz="2400" dirty="0"/>
-              <a:t>途中でも必ず、この２回を行う。</a:t>
-            </a:r>
-            <a:endParaRPr lang="en-US" altLang="ja-JP" sz="2400" dirty="0"/>
-          </a:p>
-          <a:p>
-            <a:r>
-              <a:rPr lang="en-US" altLang="ja-JP" sz="2800" dirty="0" smtClean="0"/>
+              <a:rPr lang="ja-JP" altLang="en-US" dirty="0"/>
+              <a:t>作成途中でも必ず、この２回を行う。</a:t>
+            </a:r>
+            <a:endParaRPr lang="en-US" altLang="ja-JP" dirty="0"/>
+          </a:p>
+          <a:p>
+            <a:pPr lvl="1"/>
+            <a:endParaRPr lang="en-US" altLang="ja-JP" sz="1000" dirty="0"/>
+          </a:p>
+          <a:p>
+            <a:r>
+              <a:rPr lang="en-US" altLang="ja-JP" sz="2800" dirty="0"/>
               <a:t>1</a:t>
             </a:r>
             <a:r>
@@ -14045,32 +14010,21 @@
           <a:p>
             <a:pPr lvl="1"/>
             <a:r>
-              <a:rPr lang="ja-JP" altLang="en-US" sz="2400" dirty="0" smtClean="0"/>
-              <a:t>それ</a:t>
-            </a:r>
-            <a:r>
-              <a:rPr lang="ja-JP" altLang="en-US" sz="2400" dirty="0"/>
-              <a:t>以外はコミットを行う。</a:t>
-            </a:r>
-            <a:endParaRPr lang="en-US" altLang="ja-JP" sz="2400" dirty="0"/>
-          </a:p>
-          <a:p>
-            <a:r>
-              <a:rPr lang="ja-JP" altLang="en-US" sz="2800" dirty="0" smtClean="0"/>
-              <a:t>ホワイトボード</a:t>
-            </a:r>
-            <a:r>
-              <a:rPr lang="ja-JP" altLang="en-US" sz="2800" dirty="0"/>
-              <a:t>に自分の作業と作業</a:t>
-            </a:r>
-            <a:r>
-              <a:rPr lang="ja-JP" altLang="en-US" sz="2800" dirty="0" smtClean="0"/>
-              <a:t>の　　　　　開始</a:t>
-            </a:r>
-            <a:r>
-              <a:rPr lang="ja-JP" altLang="en-US" sz="2800" dirty="0"/>
-              <a:t>時間を書く。</a:t>
-            </a:r>
+              <a:rPr lang="ja-JP" altLang="en-US" dirty="0"/>
+              <a:t>それ以外はコミットを行う。</a:t>
+            </a:r>
+            <a:endParaRPr lang="en-US" altLang="ja-JP" dirty="0"/>
+          </a:p>
+          <a:p>
+            <a:pPr lvl="1"/>
+            <a:endParaRPr lang="en-US" altLang="ja-JP" sz="1000" dirty="0"/>
+          </a:p>
+          <a:p>
+            <a:r>
+              <a:rPr lang="ja-JP" altLang="en-US" sz="2800"/>
+              <a:t>ホワイトボードに自分の作業と作業の　　　　　開始時間を書く。</a:t>
+            </a:r>
+            <a:endParaRPr lang="ja-JP" altLang="en-US" sz="2800" dirty="0"/>
           </a:p>
         </p:txBody>
       </p:sp>
@@ -14549,7 +14503,7 @@
           <a:graphicData uri="http://schemas.openxmlformats.org/presentationml/2006/ole">
             <mc:AlternateContent xmlns:mc="http://schemas.openxmlformats.org/markup-compatibility/2006">
               <mc:Choice xmlns:v="urn:schemas-microsoft-com:vml" Requires="v">
-                <p:oleObj spid="_x0000_s4114" name="ワークシート" r:id="rId4" imgW="7086488" imgH="5324440" progId="Excel.Sheet.12">
+                <p:oleObj spid="_x0000_s4115" name="ワークシート" r:id="rId4" imgW="7086488" imgH="5324440" progId="Excel.Sheet.12">
                   <p:embed/>
                 </p:oleObj>
               </mc:Choice>
